--- a/Présentation PowerPoint.pptx
+++ b/Présentation PowerPoint.pptx
@@ -114,6 +114,11 @@
       </a:defRPr>
     </a:lvl9pPr>
   </p:defaultTextStyle>
+  <p:extLst>
+    <p:ext uri="{EFAFB233-063F-42B5-8137-9DF3F51BA10A}">
+      <p15:sldGuideLst xmlns:p15="http://schemas.microsoft.com/office/powerpoint/2012/main"/>
+    </p:ext>
+  </p:extLst>
 </p:presentation>
 </file>
 
@@ -5520,7 +5525,7 @@
           <a:p>
             <a:fld id="{05B5C82D-1940-43E4-80D6-B5A1D21ED4D5}" type="datetimeFigureOut">
               <a:rPr lang="fr-FR" smtClean="0"/>
-              <a:t>16/05/2019</a:t>
+              <a:t>23/05/2019</a:t>
             </a:fld>
             <a:endParaRPr lang="fr-FR"/>
           </a:p>
@@ -6210,7 +6215,7 @@
           <a:p>
             <a:fld id="{52209DFD-A00E-4F63-9074-0C2290EA5EC2}" type="datetimeFigureOut">
               <a:rPr lang="fr-FR" smtClean="0"/>
-              <a:t>15/05/2019</a:t>
+              <a:t>23/05/2019</a:t>
             </a:fld>
             <a:endParaRPr lang="fr-FR"/>
           </a:p>
@@ -6522,7 +6527,7 @@
           <a:p>
             <a:fld id="{52209DFD-A00E-4F63-9074-0C2290EA5EC2}" type="datetimeFigureOut">
               <a:rPr lang="fr-FR" smtClean="0"/>
-              <a:t>15/05/2019</a:t>
+              <a:t>23/05/2019</a:t>
             </a:fld>
             <a:endParaRPr lang="fr-FR"/>
           </a:p>
@@ -6744,7 +6749,7 @@
           <a:p>
             <a:fld id="{52209DFD-A00E-4F63-9074-0C2290EA5EC2}" type="datetimeFigureOut">
               <a:rPr lang="fr-FR" smtClean="0"/>
-              <a:t>15/05/2019</a:t>
+              <a:t>23/05/2019</a:t>
             </a:fld>
             <a:endParaRPr lang="fr-FR"/>
           </a:p>
@@ -7035,7 +7040,7 @@
           <a:p>
             <a:fld id="{52209DFD-A00E-4F63-9074-0C2290EA5EC2}" type="datetimeFigureOut">
               <a:rPr lang="fr-FR" smtClean="0"/>
-              <a:t>15/05/2019</a:t>
+              <a:t>23/05/2019</a:t>
             </a:fld>
             <a:endParaRPr lang="fr-FR"/>
           </a:p>
@@ -7489,7 +7494,7 @@
           <a:p>
             <a:fld id="{52209DFD-A00E-4F63-9074-0C2290EA5EC2}" type="datetimeFigureOut">
               <a:rPr lang="fr-FR" smtClean="0"/>
-              <a:t>15/05/2019</a:t>
+              <a:t>23/05/2019</a:t>
             </a:fld>
             <a:endParaRPr lang="fr-FR"/>
           </a:p>
@@ -8065,7 +8070,7 @@
           <a:p>
             <a:fld id="{52209DFD-A00E-4F63-9074-0C2290EA5EC2}" type="datetimeFigureOut">
               <a:rPr lang="fr-FR" smtClean="0"/>
-              <a:t>15/05/2019</a:t>
+              <a:t>23/05/2019</a:t>
             </a:fld>
             <a:endParaRPr lang="fr-FR"/>
           </a:p>
@@ -8917,7 +8922,7 @@
           <a:p>
             <a:fld id="{52209DFD-A00E-4F63-9074-0C2290EA5EC2}" type="datetimeFigureOut">
               <a:rPr lang="fr-FR" smtClean="0"/>
-              <a:t>15/05/2019</a:t>
+              <a:t>23/05/2019</a:t>
             </a:fld>
             <a:endParaRPr lang="fr-FR"/>
           </a:p>
@@ -9122,7 +9127,7 @@
           <a:p>
             <a:fld id="{52209DFD-A00E-4F63-9074-0C2290EA5EC2}" type="datetimeFigureOut">
               <a:rPr lang="fr-FR" smtClean="0"/>
-              <a:t>15/05/2019</a:t>
+              <a:t>23/05/2019</a:t>
             </a:fld>
             <a:endParaRPr lang="fr-FR"/>
           </a:p>
@@ -9336,7 +9341,7 @@
           <a:p>
             <a:fld id="{52209DFD-A00E-4F63-9074-0C2290EA5EC2}" type="datetimeFigureOut">
               <a:rPr lang="fr-FR" smtClean="0"/>
-              <a:t>15/05/2019</a:t>
+              <a:t>23/05/2019</a:t>
             </a:fld>
             <a:endParaRPr lang="fr-FR"/>
           </a:p>
@@ -9506,7 +9511,7 @@
           <a:p>
             <a:fld id="{52209DFD-A00E-4F63-9074-0C2290EA5EC2}" type="datetimeFigureOut">
               <a:rPr lang="fr-FR" smtClean="0"/>
-              <a:t>15/05/2019</a:t>
+              <a:t>23/05/2019</a:t>
             </a:fld>
             <a:endParaRPr lang="fr-FR"/>
           </a:p>
@@ -9711,7 +9716,7 @@
           <a:p>
             <a:fld id="{52209DFD-A00E-4F63-9074-0C2290EA5EC2}" type="datetimeFigureOut">
               <a:rPr lang="fr-FR" smtClean="0"/>
-              <a:t>15/05/2019</a:t>
+              <a:t>23/05/2019</a:t>
             </a:fld>
             <a:endParaRPr lang="fr-FR"/>
           </a:p>
@@ -9991,7 +9996,7 @@
           <a:p>
             <a:fld id="{52209DFD-A00E-4F63-9074-0C2290EA5EC2}" type="datetimeFigureOut">
               <a:rPr lang="fr-FR" smtClean="0"/>
-              <a:t>15/05/2019</a:t>
+              <a:t>23/05/2019</a:t>
             </a:fld>
             <a:endParaRPr lang="fr-FR"/>
           </a:p>
@@ -10258,7 +10263,7 @@
           <a:p>
             <a:fld id="{52209DFD-A00E-4F63-9074-0C2290EA5EC2}" type="datetimeFigureOut">
               <a:rPr lang="fr-FR" smtClean="0"/>
-              <a:t>15/05/2019</a:t>
+              <a:t>23/05/2019</a:t>
             </a:fld>
             <a:endParaRPr lang="fr-FR"/>
           </a:p>
@@ -10673,7 +10678,7 @@
           <a:p>
             <a:fld id="{52209DFD-A00E-4F63-9074-0C2290EA5EC2}" type="datetimeFigureOut">
               <a:rPr lang="fr-FR" smtClean="0"/>
-              <a:t>15/05/2019</a:t>
+              <a:t>23/05/2019</a:t>
             </a:fld>
             <a:endParaRPr lang="fr-FR"/>
           </a:p>
@@ -10821,7 +10826,7 @@
           <a:p>
             <a:fld id="{52209DFD-A00E-4F63-9074-0C2290EA5EC2}" type="datetimeFigureOut">
               <a:rPr lang="fr-FR" smtClean="0"/>
-              <a:t>15/05/2019</a:t>
+              <a:t>23/05/2019</a:t>
             </a:fld>
             <a:endParaRPr lang="fr-FR"/>
           </a:p>
@@ -10946,7 +10951,7 @@
           <a:p>
             <a:fld id="{52209DFD-A00E-4F63-9074-0C2290EA5EC2}" type="datetimeFigureOut">
               <a:rPr lang="fr-FR" smtClean="0"/>
-              <a:t>15/05/2019</a:t>
+              <a:t>23/05/2019</a:t>
             </a:fld>
             <a:endParaRPr lang="fr-FR"/>
           </a:p>
@@ -11225,7 +11230,7 @@
           <a:p>
             <a:fld id="{52209DFD-A00E-4F63-9074-0C2290EA5EC2}" type="datetimeFigureOut">
               <a:rPr lang="fr-FR" smtClean="0"/>
-              <a:t>15/05/2019</a:t>
+              <a:t>23/05/2019</a:t>
             </a:fld>
             <a:endParaRPr lang="fr-FR"/>
           </a:p>
@@ -11537,7 +11542,7 @@
           <a:p>
             <a:fld id="{52209DFD-A00E-4F63-9074-0C2290EA5EC2}" type="datetimeFigureOut">
               <a:rPr lang="fr-FR" smtClean="0"/>
-              <a:t>15/05/2019</a:t>
+              <a:t>23/05/2019</a:t>
             </a:fld>
             <a:endParaRPr lang="fr-FR"/>
           </a:p>
@@ -11790,7 +11795,7 @@
           <a:p>
             <a:fld id="{52209DFD-A00E-4F63-9074-0C2290EA5EC2}" type="datetimeFigureOut">
               <a:rPr lang="fr-FR" smtClean="0"/>
-              <a:t>15/05/2019</a:t>
+              <a:t>23/05/2019</a:t>
             </a:fld>
             <a:endParaRPr lang="fr-FR"/>
           </a:p>
@@ -12401,13 +12406,13 @@
   <p:clrMapOvr>
     <a:masterClrMapping/>
   </p:clrMapOvr>
-  <mc:AlternateContent xmlns:mc="http://schemas.openxmlformats.org/markup-compatibility/2006">
-    <mc:Choice xmlns:p14="http://schemas.microsoft.com/office/powerpoint/2010/main" Requires="p14">
+  <mc:AlternateContent xmlns:mc="http://schemas.openxmlformats.org/markup-compatibility/2006" xmlns:p14="http://schemas.microsoft.com/office/powerpoint/2010/main">
+    <mc:Choice Requires="p14">
       <p:transition spd="slow" p14:dur="1200">
         <p14:prism/>
       </p:transition>
     </mc:Choice>
-    <mc:Fallback>
+    <mc:Fallback xmlns="">
       <p:transition spd="slow">
         <p:fade/>
       </p:transition>
@@ -12511,34 +12516,6 @@
           </a:graphicData>
         </a:graphic>
       </p:graphicFrame>
-      <p:sp>
-        <p:nvSpPr>
-          <p:cNvPr id="5" name="Espace réservé du texte 4">
-            <a:extLst>
-              <a:ext uri="{FF2B5EF4-FFF2-40B4-BE49-F238E27FC236}">
-                <a16:creationId xmlns:a16="http://schemas.microsoft.com/office/drawing/2014/main" id="{6F489A17-E5E2-469E-9F73-1FFAAE8722FC}"/>
-              </a:ext>
-            </a:extLst>
-          </p:cNvPr>
-          <p:cNvSpPr>
-            <a:spLocks noGrp="1"/>
-          </p:cNvSpPr>
-          <p:nvPr>
-            <p:ph type="body" idx="4294967295"/>
-          </p:nvPr>
-        </p:nvSpPr>
-        <p:spPr/>
-        <p:txBody>
-          <a:bodyPr/>
-          <a:lstStyle/>
-          <a:p>
-            <a:pPr marL="0" lvl="0" indent="0">
-              <a:buNone/>
-            </a:pPr>
-            <a:endParaRPr lang="fr-FR" dirty="0"/>
-          </a:p>
-        </p:txBody>
-      </p:sp>
     </p:spTree>
     <p:extLst>
       <p:ext uri="{BB962C8B-B14F-4D97-AF65-F5344CB8AC3E}">
@@ -12549,13 +12526,13 @@
   <p:clrMapOvr>
     <a:masterClrMapping/>
   </p:clrMapOvr>
-  <mc:AlternateContent xmlns:mc="http://schemas.openxmlformats.org/markup-compatibility/2006">
-    <mc:Choice xmlns:p14="http://schemas.microsoft.com/office/powerpoint/2010/main" Requires="p14">
+  <mc:AlternateContent xmlns:mc="http://schemas.openxmlformats.org/markup-compatibility/2006" xmlns:p14="http://schemas.microsoft.com/office/powerpoint/2010/main">
+    <mc:Choice Requires="p14">
       <p:transition spd="slow" p14:dur="1200">
         <p14:prism/>
       </p:transition>
     </mc:Choice>
-    <mc:Fallback>
+    <mc:Fallback xmlns="">
       <p:transition spd="slow">
         <p:fade/>
       </p:transition>
@@ -12661,13 +12638,13 @@
   <p:clrMapOvr>
     <a:masterClrMapping/>
   </p:clrMapOvr>
-  <mc:AlternateContent xmlns:mc="http://schemas.openxmlformats.org/markup-compatibility/2006">
-    <mc:Choice xmlns:p14="http://schemas.microsoft.com/office/powerpoint/2010/main" Requires="p14">
+  <mc:AlternateContent xmlns:mc="http://schemas.openxmlformats.org/markup-compatibility/2006" xmlns:p14="http://schemas.microsoft.com/office/powerpoint/2010/main">
+    <mc:Choice Requires="p14">
       <p:transition spd="slow" p14:dur="1200">
         <p14:prism/>
       </p:transition>
     </mc:Choice>
-    <mc:Fallback>
+    <mc:Fallback xmlns="">
       <p:transition spd="slow">
         <p:fade/>
       </p:transition>
@@ -12813,13 +12790,13 @@
   <p:clrMapOvr>
     <a:masterClrMapping/>
   </p:clrMapOvr>
-  <mc:AlternateContent xmlns:mc="http://schemas.openxmlformats.org/markup-compatibility/2006">
-    <mc:Choice xmlns:p14="http://schemas.microsoft.com/office/powerpoint/2010/main" Requires="p14">
+  <mc:AlternateContent xmlns:mc="http://schemas.openxmlformats.org/markup-compatibility/2006" xmlns:p14="http://schemas.microsoft.com/office/powerpoint/2010/main">
+    <mc:Choice Requires="p14">
       <p:transition spd="slow" p14:dur="1200">
         <p14:prism/>
       </p:transition>
     </mc:Choice>
-    <mc:Fallback>
+    <mc:Fallback xmlns="">
       <p:transition spd="slow">
         <p:fade/>
       </p:transition>
@@ -13146,13 +13123,13 @@
   <p:clrMapOvr>
     <a:masterClrMapping/>
   </p:clrMapOvr>
-  <mc:AlternateContent xmlns:mc="http://schemas.openxmlformats.org/markup-compatibility/2006">
-    <mc:Choice xmlns:p14="http://schemas.microsoft.com/office/powerpoint/2010/main" Requires="p14">
+  <mc:AlternateContent xmlns:mc="http://schemas.openxmlformats.org/markup-compatibility/2006" xmlns:p14="http://schemas.microsoft.com/office/powerpoint/2010/main">
+    <mc:Choice Requires="p14">
       <p:transition spd="slow" p14:dur="1600">
         <p:blinds dir="vert"/>
       </p:transition>
     </mc:Choice>
-    <mc:Fallback>
+    <mc:Fallback xmlns="">
       <p:transition spd="slow">
         <p:blinds dir="vert"/>
       </p:transition>
@@ -13489,13 +13466,13 @@
   <p:clrMapOvr>
     <a:masterClrMapping/>
   </p:clrMapOvr>
-  <mc:AlternateContent xmlns:mc="http://schemas.openxmlformats.org/markup-compatibility/2006">
-    <mc:Choice xmlns:p14="http://schemas.microsoft.com/office/powerpoint/2010/main" Requires="p14">
+  <mc:AlternateContent xmlns:mc="http://schemas.openxmlformats.org/markup-compatibility/2006" xmlns:p14="http://schemas.microsoft.com/office/powerpoint/2010/main">
+    <mc:Choice Requires="p14">
       <p:transition spd="slow" p14:dur="1600">
         <p:blinds dir="vert"/>
       </p:transition>
     </mc:Choice>
-    <mc:Fallback>
+    <mc:Fallback xmlns="">
       <p:transition spd="slow">
         <p:blinds dir="vert"/>
       </p:transition>
@@ -13712,13 +13689,13 @@
   <p:clrMapOvr>
     <a:masterClrMapping/>
   </p:clrMapOvr>
-  <mc:AlternateContent xmlns:mc="http://schemas.openxmlformats.org/markup-compatibility/2006">
-    <mc:Choice xmlns:p14="http://schemas.microsoft.com/office/powerpoint/2010/main" Requires="p14">
+  <mc:AlternateContent xmlns:mc="http://schemas.openxmlformats.org/markup-compatibility/2006" xmlns:p14="http://schemas.microsoft.com/office/powerpoint/2010/main">
+    <mc:Choice Requires="p14">
       <p:transition spd="slow" p14:dur="1200">
         <p14:prism/>
       </p:transition>
     </mc:Choice>
-    <mc:Fallback>
+    <mc:Fallback xmlns="">
       <p:transition spd="slow">
         <p:fade/>
       </p:transition>
@@ -13988,13 +13965,13 @@
   <p:clrMapOvr>
     <a:masterClrMapping/>
   </p:clrMapOvr>
-  <mc:AlternateContent xmlns:mc="http://schemas.openxmlformats.org/markup-compatibility/2006">
-    <mc:Choice xmlns:p14="http://schemas.microsoft.com/office/powerpoint/2010/main" Requires="p14">
+  <mc:AlternateContent xmlns:mc="http://schemas.openxmlformats.org/markup-compatibility/2006" xmlns:p14="http://schemas.microsoft.com/office/powerpoint/2010/main">
+    <mc:Choice Requires="p14">
       <p:transition spd="slow" p14:dur="1600">
         <p:blinds dir="vert"/>
       </p:transition>
     </mc:Choice>
-    <mc:Fallback>
+    <mc:Fallback xmlns="">
       <p:transition spd="slow">
         <p:blinds dir="vert"/>
       </p:transition>

--- a/Présentation PowerPoint.pptx
+++ b/Présentation PowerPoint.pptx
@@ -5,17 +5,18 @@
     <p:sldMasterId id="2147483935" r:id="rId1"/>
   </p:sldMasterIdLst>
   <p:notesMasterIdLst>
-    <p:notesMasterId r:id="rId10"/>
+    <p:notesMasterId r:id="rId11"/>
   </p:notesMasterIdLst>
   <p:sldIdLst>
-    <p:sldId id="256" r:id="rId2"/>
-    <p:sldId id="260" r:id="rId3"/>
-    <p:sldId id="261" r:id="rId4"/>
-    <p:sldId id="257" r:id="rId5"/>
-    <p:sldId id="263" r:id="rId6"/>
-    <p:sldId id="264" r:id="rId7"/>
-    <p:sldId id="258" r:id="rId8"/>
-    <p:sldId id="265" r:id="rId9"/>
+    <p:sldId id="267" r:id="rId2"/>
+    <p:sldId id="256" r:id="rId3"/>
+    <p:sldId id="260" r:id="rId4"/>
+    <p:sldId id="261" r:id="rId5"/>
+    <p:sldId id="257" r:id="rId6"/>
+    <p:sldId id="263" r:id="rId7"/>
+    <p:sldId id="264" r:id="rId8"/>
+    <p:sldId id="258" r:id="rId9"/>
+    <p:sldId id="265" r:id="rId10"/>
   </p:sldIdLst>
   <p:sldSz cx="12192000" cy="6858000"/>
   <p:notesSz cx="6858000" cy="9144000"/>
@@ -1616,7 +1617,954 @@
 </dgm:colorsDef>
 </file>
 
+<file path=ppt/diagrams/colors3.xml><?xml version="1.0" encoding="utf-8"?>
+<dgm:colorsDef xmlns:dgm="http://schemas.openxmlformats.org/drawingml/2006/diagram" xmlns:a="http://schemas.openxmlformats.org/drawingml/2006/main" uniqueId="urn:microsoft.com/office/officeart/2005/8/colors/accent1_2">
+  <dgm:title val=""/>
+  <dgm:desc val=""/>
+  <dgm:catLst>
+    <dgm:cat type="accent1" pri="11200"/>
+  </dgm:catLst>
+  <dgm:styleLbl name="node0">
+    <dgm:fillClrLst meth="repeat">
+      <a:schemeClr val="accent1"/>
+    </dgm:fillClrLst>
+    <dgm:linClrLst meth="repeat">
+      <a:schemeClr val="lt1"/>
+    </dgm:linClrLst>
+    <dgm:effectClrLst/>
+    <dgm:txLinClrLst/>
+    <dgm:txFillClrLst/>
+    <dgm:txEffectClrLst/>
+  </dgm:styleLbl>
+  <dgm:styleLbl name="alignNode1">
+    <dgm:fillClrLst meth="repeat">
+      <a:schemeClr val="accent1"/>
+    </dgm:fillClrLst>
+    <dgm:linClrLst meth="repeat">
+      <a:schemeClr val="accent1"/>
+    </dgm:linClrLst>
+    <dgm:effectClrLst/>
+    <dgm:txLinClrLst/>
+    <dgm:txFillClrLst/>
+    <dgm:txEffectClrLst/>
+  </dgm:styleLbl>
+  <dgm:styleLbl name="node1">
+    <dgm:fillClrLst meth="repeat">
+      <a:schemeClr val="accent1"/>
+    </dgm:fillClrLst>
+    <dgm:linClrLst meth="repeat">
+      <a:schemeClr val="lt1"/>
+    </dgm:linClrLst>
+    <dgm:effectClrLst/>
+    <dgm:txLinClrLst/>
+    <dgm:txFillClrLst/>
+    <dgm:txEffectClrLst/>
+  </dgm:styleLbl>
+  <dgm:styleLbl name="lnNode1">
+    <dgm:fillClrLst meth="repeat">
+      <a:schemeClr val="accent1"/>
+    </dgm:fillClrLst>
+    <dgm:linClrLst meth="repeat">
+      <a:schemeClr val="lt1"/>
+    </dgm:linClrLst>
+    <dgm:effectClrLst/>
+    <dgm:txLinClrLst/>
+    <dgm:txFillClrLst/>
+    <dgm:txEffectClrLst/>
+  </dgm:styleLbl>
+  <dgm:styleLbl name="vennNode1">
+    <dgm:fillClrLst meth="repeat">
+      <a:schemeClr val="accent1">
+        <a:alpha val="50000"/>
+      </a:schemeClr>
+    </dgm:fillClrLst>
+    <dgm:linClrLst meth="repeat">
+      <a:schemeClr val="lt1"/>
+    </dgm:linClrLst>
+    <dgm:effectClrLst/>
+    <dgm:txLinClrLst/>
+    <dgm:txFillClrLst/>
+    <dgm:txEffectClrLst/>
+  </dgm:styleLbl>
+  <dgm:styleLbl name="node2">
+    <dgm:fillClrLst meth="repeat">
+      <a:schemeClr val="accent1"/>
+    </dgm:fillClrLst>
+    <dgm:linClrLst meth="repeat">
+      <a:schemeClr val="lt1"/>
+    </dgm:linClrLst>
+    <dgm:effectClrLst/>
+    <dgm:txLinClrLst/>
+    <dgm:txFillClrLst/>
+    <dgm:txEffectClrLst/>
+  </dgm:styleLbl>
+  <dgm:styleLbl name="node3">
+    <dgm:fillClrLst meth="repeat">
+      <a:schemeClr val="accent1"/>
+    </dgm:fillClrLst>
+    <dgm:linClrLst meth="repeat">
+      <a:schemeClr val="lt1"/>
+    </dgm:linClrLst>
+    <dgm:effectClrLst/>
+    <dgm:txLinClrLst/>
+    <dgm:txFillClrLst/>
+    <dgm:txEffectClrLst/>
+  </dgm:styleLbl>
+  <dgm:styleLbl name="node4">
+    <dgm:fillClrLst meth="repeat">
+      <a:schemeClr val="accent1"/>
+    </dgm:fillClrLst>
+    <dgm:linClrLst meth="repeat">
+      <a:schemeClr val="lt1"/>
+    </dgm:linClrLst>
+    <dgm:effectClrLst/>
+    <dgm:txLinClrLst/>
+    <dgm:txFillClrLst/>
+    <dgm:txEffectClrLst/>
+  </dgm:styleLbl>
+  <dgm:styleLbl name="fgImgPlace1">
+    <dgm:fillClrLst meth="repeat">
+      <a:schemeClr val="accent1">
+        <a:tint val="50000"/>
+      </a:schemeClr>
+    </dgm:fillClrLst>
+    <dgm:linClrLst meth="repeat">
+      <a:schemeClr val="lt1"/>
+    </dgm:linClrLst>
+    <dgm:effectClrLst/>
+    <dgm:txLinClrLst/>
+    <dgm:txFillClrLst meth="repeat">
+      <a:schemeClr val="lt1"/>
+    </dgm:txFillClrLst>
+    <dgm:txEffectClrLst/>
+  </dgm:styleLbl>
+  <dgm:styleLbl name="alignImgPlace1">
+    <dgm:fillClrLst meth="repeat">
+      <a:schemeClr val="accent1">
+        <a:tint val="50000"/>
+      </a:schemeClr>
+    </dgm:fillClrLst>
+    <dgm:linClrLst meth="repeat">
+      <a:schemeClr val="lt1"/>
+    </dgm:linClrLst>
+    <dgm:effectClrLst/>
+    <dgm:txLinClrLst/>
+    <dgm:txFillClrLst meth="repeat">
+      <a:schemeClr val="lt1"/>
+    </dgm:txFillClrLst>
+    <dgm:txEffectClrLst/>
+  </dgm:styleLbl>
+  <dgm:styleLbl name="bgImgPlace1">
+    <dgm:fillClrLst meth="repeat">
+      <a:schemeClr val="accent1">
+        <a:tint val="50000"/>
+      </a:schemeClr>
+    </dgm:fillClrLst>
+    <dgm:linClrLst meth="repeat">
+      <a:schemeClr val="lt1"/>
+    </dgm:linClrLst>
+    <dgm:effectClrLst/>
+    <dgm:txLinClrLst/>
+    <dgm:txFillClrLst meth="repeat">
+      <a:schemeClr val="lt1"/>
+    </dgm:txFillClrLst>
+    <dgm:txEffectClrLst/>
+  </dgm:styleLbl>
+  <dgm:styleLbl name="sibTrans2D1">
+    <dgm:fillClrLst meth="repeat">
+      <a:schemeClr val="accent1">
+        <a:tint val="60000"/>
+      </a:schemeClr>
+    </dgm:fillClrLst>
+    <dgm:linClrLst meth="repeat">
+      <a:schemeClr val="accent1">
+        <a:tint val="60000"/>
+      </a:schemeClr>
+    </dgm:linClrLst>
+    <dgm:effectClrLst/>
+    <dgm:txLinClrLst/>
+    <dgm:txFillClrLst/>
+    <dgm:txEffectClrLst/>
+  </dgm:styleLbl>
+  <dgm:styleLbl name="fgSibTrans2D1">
+    <dgm:fillClrLst meth="repeat">
+      <a:schemeClr val="accent1">
+        <a:tint val="60000"/>
+      </a:schemeClr>
+    </dgm:fillClrLst>
+    <dgm:linClrLst meth="repeat">
+      <a:schemeClr val="accent1">
+        <a:tint val="60000"/>
+      </a:schemeClr>
+    </dgm:linClrLst>
+    <dgm:effectClrLst/>
+    <dgm:txLinClrLst/>
+    <dgm:txFillClrLst/>
+    <dgm:txEffectClrLst/>
+  </dgm:styleLbl>
+  <dgm:styleLbl name="bgSibTrans2D1">
+    <dgm:fillClrLst meth="repeat">
+      <a:schemeClr val="accent1">
+        <a:tint val="60000"/>
+      </a:schemeClr>
+    </dgm:fillClrLst>
+    <dgm:linClrLst meth="repeat">
+      <a:schemeClr val="accent1">
+        <a:tint val="60000"/>
+      </a:schemeClr>
+    </dgm:linClrLst>
+    <dgm:effectClrLst/>
+    <dgm:txLinClrLst/>
+    <dgm:txFillClrLst/>
+    <dgm:txEffectClrLst/>
+  </dgm:styleLbl>
+  <dgm:styleLbl name="sibTrans1D1">
+    <dgm:fillClrLst meth="repeat">
+      <a:schemeClr val="accent1"/>
+    </dgm:fillClrLst>
+    <dgm:linClrLst meth="repeat">
+      <a:schemeClr val="accent1"/>
+    </dgm:linClrLst>
+    <dgm:effectClrLst/>
+    <dgm:txLinClrLst/>
+    <dgm:txFillClrLst meth="repeat">
+      <a:schemeClr val="tx1"/>
+    </dgm:txFillClrLst>
+    <dgm:txEffectClrLst/>
+  </dgm:styleLbl>
+  <dgm:styleLbl name="callout">
+    <dgm:fillClrLst meth="repeat">
+      <a:schemeClr val="accent1"/>
+    </dgm:fillClrLst>
+    <dgm:linClrLst meth="repeat">
+      <a:schemeClr val="accent1">
+        <a:tint val="50000"/>
+      </a:schemeClr>
+    </dgm:linClrLst>
+    <dgm:effectClrLst/>
+    <dgm:txLinClrLst/>
+    <dgm:txFillClrLst meth="repeat">
+      <a:schemeClr val="tx1"/>
+    </dgm:txFillClrLst>
+    <dgm:txEffectClrLst/>
+  </dgm:styleLbl>
+  <dgm:styleLbl name="asst0">
+    <dgm:fillClrLst meth="repeat">
+      <a:schemeClr val="accent1"/>
+    </dgm:fillClrLst>
+    <dgm:linClrLst meth="repeat">
+      <a:schemeClr val="lt1"/>
+    </dgm:linClrLst>
+    <dgm:effectClrLst/>
+    <dgm:txLinClrLst/>
+    <dgm:txFillClrLst/>
+    <dgm:txEffectClrLst/>
+  </dgm:styleLbl>
+  <dgm:styleLbl name="asst1">
+    <dgm:fillClrLst meth="repeat">
+      <a:schemeClr val="accent1"/>
+    </dgm:fillClrLst>
+    <dgm:linClrLst meth="repeat">
+      <a:schemeClr val="lt1"/>
+    </dgm:linClrLst>
+    <dgm:effectClrLst/>
+    <dgm:txLinClrLst/>
+    <dgm:txFillClrLst/>
+    <dgm:txEffectClrLst/>
+  </dgm:styleLbl>
+  <dgm:styleLbl name="asst2">
+    <dgm:fillClrLst meth="repeat">
+      <a:schemeClr val="accent1"/>
+    </dgm:fillClrLst>
+    <dgm:linClrLst meth="repeat">
+      <a:schemeClr val="lt1"/>
+    </dgm:linClrLst>
+    <dgm:effectClrLst/>
+    <dgm:txLinClrLst/>
+    <dgm:txFillClrLst/>
+    <dgm:txEffectClrLst/>
+  </dgm:styleLbl>
+  <dgm:styleLbl name="asst3">
+    <dgm:fillClrLst meth="repeat">
+      <a:schemeClr val="accent1"/>
+    </dgm:fillClrLst>
+    <dgm:linClrLst meth="repeat">
+      <a:schemeClr val="lt1"/>
+    </dgm:linClrLst>
+    <dgm:effectClrLst/>
+    <dgm:txLinClrLst/>
+    <dgm:txFillClrLst/>
+    <dgm:txEffectClrLst/>
+  </dgm:styleLbl>
+  <dgm:styleLbl name="asst4">
+    <dgm:fillClrLst meth="repeat">
+      <a:schemeClr val="accent1"/>
+    </dgm:fillClrLst>
+    <dgm:linClrLst meth="repeat">
+      <a:schemeClr val="lt1"/>
+    </dgm:linClrLst>
+    <dgm:effectClrLst/>
+    <dgm:txLinClrLst/>
+    <dgm:txFillClrLst/>
+    <dgm:txEffectClrLst/>
+  </dgm:styleLbl>
+  <dgm:styleLbl name="parChTrans2D1">
+    <dgm:fillClrLst meth="repeat">
+      <a:schemeClr val="accent1">
+        <a:tint val="60000"/>
+      </a:schemeClr>
+    </dgm:fillClrLst>
+    <dgm:linClrLst meth="repeat">
+      <a:schemeClr val="accent1">
+        <a:tint val="60000"/>
+      </a:schemeClr>
+    </dgm:linClrLst>
+    <dgm:effectClrLst/>
+    <dgm:txLinClrLst/>
+    <dgm:txFillClrLst meth="repeat">
+      <a:schemeClr val="lt1"/>
+    </dgm:txFillClrLst>
+    <dgm:txEffectClrLst/>
+  </dgm:styleLbl>
+  <dgm:styleLbl name="parChTrans2D2">
+    <dgm:fillClrLst meth="repeat">
+      <a:schemeClr val="accent1"/>
+    </dgm:fillClrLst>
+    <dgm:linClrLst meth="repeat">
+      <a:schemeClr val="accent1"/>
+    </dgm:linClrLst>
+    <dgm:effectClrLst/>
+    <dgm:txLinClrLst/>
+    <dgm:txFillClrLst meth="repeat">
+      <a:schemeClr val="lt1"/>
+    </dgm:txFillClrLst>
+    <dgm:txEffectClrLst/>
+  </dgm:styleLbl>
+  <dgm:styleLbl name="parChTrans2D3">
+    <dgm:fillClrLst meth="repeat">
+      <a:schemeClr val="accent1"/>
+    </dgm:fillClrLst>
+    <dgm:linClrLst meth="repeat">
+      <a:schemeClr val="accent1"/>
+    </dgm:linClrLst>
+    <dgm:effectClrLst/>
+    <dgm:txLinClrLst/>
+    <dgm:txFillClrLst meth="repeat">
+      <a:schemeClr val="lt1"/>
+    </dgm:txFillClrLst>
+    <dgm:txEffectClrLst/>
+  </dgm:styleLbl>
+  <dgm:styleLbl name="parChTrans2D4">
+    <dgm:fillClrLst meth="repeat">
+      <a:schemeClr val="accent1"/>
+    </dgm:fillClrLst>
+    <dgm:linClrLst meth="repeat">
+      <a:schemeClr val="accent1"/>
+    </dgm:linClrLst>
+    <dgm:effectClrLst/>
+    <dgm:txLinClrLst/>
+    <dgm:txFillClrLst meth="repeat">
+      <a:schemeClr val="lt1"/>
+    </dgm:txFillClrLst>
+    <dgm:txEffectClrLst/>
+  </dgm:styleLbl>
+  <dgm:styleLbl name="parChTrans1D1">
+    <dgm:fillClrLst meth="repeat">
+      <a:schemeClr val="accent1"/>
+    </dgm:fillClrLst>
+    <dgm:linClrLst meth="repeat">
+      <a:schemeClr val="accent1">
+        <a:shade val="60000"/>
+      </a:schemeClr>
+    </dgm:linClrLst>
+    <dgm:effectClrLst/>
+    <dgm:txLinClrLst/>
+    <dgm:txFillClrLst meth="repeat">
+      <a:schemeClr val="tx1"/>
+    </dgm:txFillClrLst>
+    <dgm:txEffectClrLst/>
+  </dgm:styleLbl>
+  <dgm:styleLbl name="parChTrans1D2">
+    <dgm:fillClrLst meth="repeat">
+      <a:schemeClr val="accent1"/>
+    </dgm:fillClrLst>
+    <dgm:linClrLst meth="repeat">
+      <a:schemeClr val="accent1">
+        <a:shade val="60000"/>
+      </a:schemeClr>
+    </dgm:linClrLst>
+    <dgm:effectClrLst/>
+    <dgm:txLinClrLst/>
+    <dgm:txFillClrLst meth="repeat">
+      <a:schemeClr val="tx1"/>
+    </dgm:txFillClrLst>
+    <dgm:txEffectClrLst/>
+  </dgm:styleLbl>
+  <dgm:styleLbl name="parChTrans1D3">
+    <dgm:fillClrLst meth="repeat">
+      <a:schemeClr val="accent1"/>
+    </dgm:fillClrLst>
+    <dgm:linClrLst meth="repeat">
+      <a:schemeClr val="accent1">
+        <a:shade val="80000"/>
+      </a:schemeClr>
+    </dgm:linClrLst>
+    <dgm:effectClrLst/>
+    <dgm:txLinClrLst/>
+    <dgm:txFillClrLst meth="repeat">
+      <a:schemeClr val="tx1"/>
+    </dgm:txFillClrLst>
+    <dgm:txEffectClrLst/>
+  </dgm:styleLbl>
+  <dgm:styleLbl name="parChTrans1D4">
+    <dgm:fillClrLst meth="repeat">
+      <a:schemeClr val="accent1"/>
+    </dgm:fillClrLst>
+    <dgm:linClrLst meth="repeat">
+      <a:schemeClr val="accent1">
+        <a:shade val="80000"/>
+      </a:schemeClr>
+    </dgm:linClrLst>
+    <dgm:effectClrLst/>
+    <dgm:txLinClrLst/>
+    <dgm:txFillClrLst meth="repeat">
+      <a:schemeClr val="tx1"/>
+    </dgm:txFillClrLst>
+    <dgm:txEffectClrLst/>
+  </dgm:styleLbl>
+  <dgm:styleLbl name="fgAcc1">
+    <dgm:fillClrLst meth="repeat">
+      <a:schemeClr val="lt1">
+        <a:alpha val="90000"/>
+      </a:schemeClr>
+    </dgm:fillClrLst>
+    <dgm:linClrLst meth="repeat">
+      <a:schemeClr val="accent1"/>
+    </dgm:linClrLst>
+    <dgm:effectClrLst/>
+    <dgm:txLinClrLst/>
+    <dgm:txFillClrLst meth="repeat">
+      <a:schemeClr val="dk1"/>
+    </dgm:txFillClrLst>
+    <dgm:txEffectClrLst/>
+  </dgm:styleLbl>
+  <dgm:styleLbl name="conFgAcc1">
+    <dgm:fillClrLst meth="repeat">
+      <a:schemeClr val="lt1">
+        <a:alpha val="90000"/>
+      </a:schemeClr>
+    </dgm:fillClrLst>
+    <dgm:linClrLst meth="repeat">
+      <a:schemeClr val="accent1"/>
+    </dgm:linClrLst>
+    <dgm:effectClrLst/>
+    <dgm:txLinClrLst/>
+    <dgm:txFillClrLst meth="repeat">
+      <a:schemeClr val="dk1"/>
+    </dgm:txFillClrLst>
+    <dgm:txEffectClrLst/>
+  </dgm:styleLbl>
+  <dgm:styleLbl name="alignAcc1">
+    <dgm:fillClrLst meth="repeat">
+      <a:schemeClr val="lt1">
+        <a:alpha val="90000"/>
+      </a:schemeClr>
+    </dgm:fillClrLst>
+    <dgm:linClrLst meth="repeat">
+      <a:schemeClr val="accent1"/>
+    </dgm:linClrLst>
+    <dgm:effectClrLst/>
+    <dgm:txLinClrLst/>
+    <dgm:txFillClrLst meth="repeat">
+      <a:schemeClr val="dk1"/>
+    </dgm:txFillClrLst>
+    <dgm:txEffectClrLst/>
+  </dgm:styleLbl>
+  <dgm:styleLbl name="trAlignAcc1">
+    <dgm:fillClrLst meth="repeat">
+      <a:schemeClr val="lt1">
+        <a:alpha val="40000"/>
+      </a:schemeClr>
+    </dgm:fillClrLst>
+    <dgm:linClrLst meth="repeat">
+      <a:schemeClr val="accent1"/>
+    </dgm:linClrLst>
+    <dgm:effectClrLst/>
+    <dgm:txLinClrLst/>
+    <dgm:txFillClrLst meth="repeat">
+      <a:schemeClr val="dk1"/>
+    </dgm:txFillClrLst>
+    <dgm:txEffectClrLst/>
+  </dgm:styleLbl>
+  <dgm:styleLbl name="bgAcc1">
+    <dgm:fillClrLst meth="repeat">
+      <a:schemeClr val="lt1">
+        <a:alpha val="90000"/>
+      </a:schemeClr>
+    </dgm:fillClrLst>
+    <dgm:linClrLst meth="repeat">
+      <a:schemeClr val="accent1"/>
+    </dgm:linClrLst>
+    <dgm:effectClrLst/>
+    <dgm:txLinClrLst/>
+    <dgm:txFillClrLst meth="repeat">
+      <a:schemeClr val="dk1"/>
+    </dgm:txFillClrLst>
+    <dgm:txEffectClrLst/>
+  </dgm:styleLbl>
+  <dgm:styleLbl name="solidFgAcc1">
+    <dgm:fillClrLst meth="repeat">
+      <a:schemeClr val="lt1"/>
+    </dgm:fillClrLst>
+    <dgm:linClrLst meth="repeat">
+      <a:schemeClr val="accent1"/>
+    </dgm:linClrLst>
+    <dgm:effectClrLst/>
+    <dgm:txLinClrLst/>
+    <dgm:txFillClrLst meth="repeat">
+      <a:schemeClr val="dk1"/>
+    </dgm:txFillClrLst>
+    <dgm:txEffectClrLst/>
+  </dgm:styleLbl>
+  <dgm:styleLbl name="solidAlignAcc1">
+    <dgm:fillClrLst meth="repeat">
+      <a:schemeClr val="lt1"/>
+    </dgm:fillClrLst>
+    <dgm:linClrLst meth="repeat">
+      <a:schemeClr val="accent1"/>
+    </dgm:linClrLst>
+    <dgm:effectClrLst/>
+    <dgm:txLinClrLst/>
+    <dgm:txFillClrLst meth="repeat">
+      <a:schemeClr val="dk1"/>
+    </dgm:txFillClrLst>
+    <dgm:txEffectClrLst/>
+  </dgm:styleLbl>
+  <dgm:styleLbl name="solidBgAcc1">
+    <dgm:fillClrLst meth="repeat">
+      <a:schemeClr val="lt1"/>
+    </dgm:fillClrLst>
+    <dgm:linClrLst meth="repeat">
+      <a:schemeClr val="accent1"/>
+    </dgm:linClrLst>
+    <dgm:effectClrLst/>
+    <dgm:txLinClrLst/>
+    <dgm:txFillClrLst meth="repeat">
+      <a:schemeClr val="dk1"/>
+    </dgm:txFillClrLst>
+    <dgm:txEffectClrLst/>
+  </dgm:styleLbl>
+  <dgm:styleLbl name="fgAccFollowNode1">
+    <dgm:fillClrLst meth="repeat">
+      <a:schemeClr val="accent1">
+        <a:alpha val="90000"/>
+        <a:tint val="40000"/>
+      </a:schemeClr>
+    </dgm:fillClrLst>
+    <dgm:linClrLst meth="repeat">
+      <a:schemeClr val="accent1">
+        <a:alpha val="90000"/>
+        <a:tint val="40000"/>
+      </a:schemeClr>
+    </dgm:linClrLst>
+    <dgm:effectClrLst/>
+    <dgm:txLinClrLst/>
+    <dgm:txFillClrLst meth="repeat">
+      <a:schemeClr val="dk1"/>
+    </dgm:txFillClrLst>
+    <dgm:txEffectClrLst/>
+  </dgm:styleLbl>
+  <dgm:styleLbl name="alignAccFollowNode1">
+    <dgm:fillClrLst meth="repeat">
+      <a:schemeClr val="accent1">
+        <a:alpha val="90000"/>
+        <a:tint val="40000"/>
+      </a:schemeClr>
+    </dgm:fillClrLst>
+    <dgm:linClrLst meth="repeat">
+      <a:schemeClr val="accent1">
+        <a:alpha val="90000"/>
+        <a:tint val="40000"/>
+      </a:schemeClr>
+    </dgm:linClrLst>
+    <dgm:effectClrLst/>
+    <dgm:txLinClrLst/>
+    <dgm:txFillClrLst meth="repeat">
+      <a:schemeClr val="dk1"/>
+    </dgm:txFillClrLst>
+    <dgm:txEffectClrLst/>
+  </dgm:styleLbl>
+  <dgm:styleLbl name="bgAccFollowNode1">
+    <dgm:fillClrLst meth="repeat">
+      <a:schemeClr val="accent1">
+        <a:alpha val="90000"/>
+        <a:tint val="40000"/>
+      </a:schemeClr>
+    </dgm:fillClrLst>
+    <dgm:linClrLst meth="repeat">
+      <a:schemeClr val="accent1">
+        <a:alpha val="90000"/>
+        <a:tint val="40000"/>
+      </a:schemeClr>
+    </dgm:linClrLst>
+    <dgm:effectClrLst/>
+    <dgm:txLinClrLst/>
+    <dgm:txFillClrLst meth="repeat">
+      <a:schemeClr val="dk1"/>
+    </dgm:txFillClrLst>
+    <dgm:txEffectClrLst/>
+  </dgm:styleLbl>
+  <dgm:styleLbl name="fgAcc0">
+    <dgm:fillClrLst meth="repeat">
+      <a:schemeClr val="lt1">
+        <a:alpha val="90000"/>
+      </a:schemeClr>
+    </dgm:fillClrLst>
+    <dgm:linClrLst meth="repeat">
+      <a:schemeClr val="accent1"/>
+    </dgm:linClrLst>
+    <dgm:effectClrLst/>
+    <dgm:txLinClrLst/>
+    <dgm:txFillClrLst meth="repeat">
+      <a:schemeClr val="dk1"/>
+    </dgm:txFillClrLst>
+    <dgm:txEffectClrLst/>
+  </dgm:styleLbl>
+  <dgm:styleLbl name="fgAcc2">
+    <dgm:fillClrLst meth="repeat">
+      <a:schemeClr val="lt1">
+        <a:alpha val="90000"/>
+      </a:schemeClr>
+    </dgm:fillClrLst>
+    <dgm:linClrLst meth="repeat">
+      <a:schemeClr val="accent1"/>
+    </dgm:linClrLst>
+    <dgm:effectClrLst/>
+    <dgm:txLinClrLst/>
+    <dgm:txFillClrLst meth="repeat">
+      <a:schemeClr val="dk1"/>
+    </dgm:txFillClrLst>
+    <dgm:txEffectClrLst/>
+  </dgm:styleLbl>
+  <dgm:styleLbl name="fgAcc3">
+    <dgm:fillClrLst meth="repeat">
+      <a:schemeClr val="lt1">
+        <a:alpha val="90000"/>
+      </a:schemeClr>
+    </dgm:fillClrLst>
+    <dgm:linClrLst meth="repeat">
+      <a:schemeClr val="accent1"/>
+    </dgm:linClrLst>
+    <dgm:effectClrLst/>
+    <dgm:txLinClrLst/>
+    <dgm:txFillClrLst meth="repeat">
+      <a:schemeClr val="dk1"/>
+    </dgm:txFillClrLst>
+    <dgm:txEffectClrLst/>
+  </dgm:styleLbl>
+  <dgm:styleLbl name="fgAcc4">
+    <dgm:fillClrLst meth="repeat">
+      <a:schemeClr val="lt1">
+        <a:alpha val="90000"/>
+      </a:schemeClr>
+    </dgm:fillClrLst>
+    <dgm:linClrLst meth="repeat">
+      <a:schemeClr val="accent1"/>
+    </dgm:linClrLst>
+    <dgm:effectClrLst/>
+    <dgm:txLinClrLst/>
+    <dgm:txFillClrLst meth="repeat">
+      <a:schemeClr val="dk1"/>
+    </dgm:txFillClrLst>
+    <dgm:txEffectClrLst/>
+  </dgm:styleLbl>
+  <dgm:styleLbl name="bgShp">
+    <dgm:fillClrLst meth="repeat">
+      <a:schemeClr val="accent1">
+        <a:tint val="40000"/>
+      </a:schemeClr>
+    </dgm:fillClrLst>
+    <dgm:linClrLst meth="repeat">
+      <a:schemeClr val="accent1"/>
+    </dgm:linClrLst>
+    <dgm:effectClrLst/>
+    <dgm:txLinClrLst/>
+    <dgm:txFillClrLst meth="repeat">
+      <a:schemeClr val="dk1"/>
+    </dgm:txFillClrLst>
+    <dgm:txEffectClrLst/>
+  </dgm:styleLbl>
+  <dgm:styleLbl name="dkBgShp">
+    <dgm:fillClrLst meth="repeat">
+      <a:schemeClr val="accent1">
+        <a:shade val="80000"/>
+      </a:schemeClr>
+    </dgm:fillClrLst>
+    <dgm:linClrLst meth="repeat">
+      <a:schemeClr val="accent1"/>
+    </dgm:linClrLst>
+    <dgm:effectClrLst/>
+    <dgm:txLinClrLst/>
+    <dgm:txFillClrLst meth="repeat">
+      <a:schemeClr val="lt1"/>
+    </dgm:txFillClrLst>
+    <dgm:txEffectClrLst/>
+  </dgm:styleLbl>
+  <dgm:styleLbl name="trBgShp">
+    <dgm:fillClrLst meth="repeat">
+      <a:schemeClr val="accent1">
+        <a:tint val="50000"/>
+        <a:alpha val="40000"/>
+      </a:schemeClr>
+    </dgm:fillClrLst>
+    <dgm:linClrLst meth="repeat">
+      <a:schemeClr val="accent1"/>
+    </dgm:linClrLst>
+    <dgm:effectClrLst/>
+    <dgm:txLinClrLst/>
+    <dgm:txFillClrLst meth="repeat">
+      <a:schemeClr val="lt1"/>
+    </dgm:txFillClrLst>
+    <dgm:txEffectClrLst/>
+  </dgm:styleLbl>
+  <dgm:styleLbl name="fgShp">
+    <dgm:fillClrLst meth="repeat">
+      <a:schemeClr val="accent1">
+        <a:tint val="60000"/>
+      </a:schemeClr>
+    </dgm:fillClrLst>
+    <dgm:linClrLst meth="repeat">
+      <a:schemeClr val="lt1"/>
+    </dgm:linClrLst>
+    <dgm:effectClrLst/>
+    <dgm:txLinClrLst/>
+    <dgm:txFillClrLst meth="repeat">
+      <a:schemeClr val="dk1"/>
+    </dgm:txFillClrLst>
+    <dgm:txEffectClrLst/>
+  </dgm:styleLbl>
+  <dgm:styleLbl name="revTx">
+    <dgm:fillClrLst meth="repeat">
+      <a:schemeClr val="lt1">
+        <a:alpha val="0"/>
+      </a:schemeClr>
+    </dgm:fillClrLst>
+    <dgm:linClrLst meth="repeat">
+      <a:schemeClr val="dk1">
+        <a:alpha val="0"/>
+      </a:schemeClr>
+    </dgm:linClrLst>
+    <dgm:effectClrLst/>
+    <dgm:txLinClrLst/>
+    <dgm:txFillClrLst meth="repeat">
+      <a:schemeClr val="tx1"/>
+    </dgm:txFillClrLst>
+    <dgm:txEffectClrLst/>
+  </dgm:styleLbl>
+</dgm:colorsDef>
+</file>
+
 <file path=ppt/diagrams/data1.xml><?xml version="1.0" encoding="utf-8"?>
+<dgm:dataModel xmlns:dgm="http://schemas.openxmlformats.org/drawingml/2006/diagram" xmlns:a="http://schemas.openxmlformats.org/drawingml/2006/main">
+  <dgm:ptLst>
+    <dgm:pt modelId="{04E42E07-3255-442C-9C2A-E4DCE77D7F36}" type="doc">
+      <dgm:prSet loTypeId="urn:microsoft.com/office/officeart/2005/8/layout/chevron1" loCatId="process" qsTypeId="urn:microsoft.com/office/officeart/2005/8/quickstyle/simple1" qsCatId="simple" csTypeId="urn:microsoft.com/office/officeart/2005/8/colors/accent1_2" csCatId="accent1" phldr="1"/>
+      <dgm:spPr/>
+    </dgm:pt>
+    <dgm:pt modelId="{BD45ED9F-A5BE-4EC2-9F1E-6C07DE2E3CB5}">
+      <dgm:prSet phldrT="[Texte]"/>
+      <dgm:spPr>
+        <a:solidFill>
+          <a:srgbClr val="C00000"/>
+        </a:solidFill>
+      </dgm:spPr>
+      <dgm:t>
+        <a:bodyPr/>
+        <a:lstStyle/>
+        <a:p>
+          <a:r>
+            <a:rPr lang="fr-FR" dirty="0"/>
+            <a:t>Le rôle d’intégrateur web</a:t>
+          </a:r>
+        </a:p>
+      </dgm:t>
+    </dgm:pt>
+    <dgm:pt modelId="{6EFEF076-2A52-4630-9F3C-DE57E3B72870}" type="parTrans" cxnId="{ED966048-8F1A-477F-919B-4CDAA34E0222}">
+      <dgm:prSet/>
+      <dgm:spPr/>
+      <dgm:t>
+        <a:bodyPr/>
+        <a:lstStyle/>
+        <a:p>
+          <a:endParaRPr lang="fr-FR"/>
+        </a:p>
+      </dgm:t>
+    </dgm:pt>
+    <dgm:pt modelId="{261C556D-7F15-49CB-9EFF-6CDCD88D3DF3}" type="sibTrans" cxnId="{ED966048-8F1A-477F-919B-4CDAA34E0222}">
+      <dgm:prSet/>
+      <dgm:spPr/>
+      <dgm:t>
+        <a:bodyPr/>
+        <a:lstStyle/>
+        <a:p>
+          <a:endParaRPr lang="fr-FR"/>
+        </a:p>
+      </dgm:t>
+    </dgm:pt>
+    <dgm:pt modelId="{226B920A-64BA-46A9-B663-5D80536DF065}">
+      <dgm:prSet phldrT="[Texte]"/>
+      <dgm:spPr>
+        <a:solidFill>
+          <a:srgbClr val="93C856"/>
+        </a:solidFill>
+      </dgm:spPr>
+      <dgm:t>
+        <a:bodyPr/>
+        <a:lstStyle/>
+        <a:p>
+          <a:r>
+            <a:rPr lang="fr-FR" dirty="0"/>
+            <a:t>Les difficultés rencontrées</a:t>
+          </a:r>
+        </a:p>
+      </dgm:t>
+    </dgm:pt>
+    <dgm:pt modelId="{0E7C3A06-2023-4C58-8E8C-45503CD90C3A}" type="parTrans" cxnId="{51E959B9-8977-470F-953D-0A758C7EA49E}">
+      <dgm:prSet/>
+      <dgm:spPr/>
+      <dgm:t>
+        <a:bodyPr/>
+        <a:lstStyle/>
+        <a:p>
+          <a:endParaRPr lang="fr-FR"/>
+        </a:p>
+      </dgm:t>
+    </dgm:pt>
+    <dgm:pt modelId="{DD2FC762-FDF1-40AE-90D6-EEC107FAC3DC}" type="sibTrans" cxnId="{51E959B9-8977-470F-953D-0A758C7EA49E}">
+      <dgm:prSet/>
+      <dgm:spPr/>
+      <dgm:t>
+        <a:bodyPr/>
+        <a:lstStyle/>
+        <a:p>
+          <a:endParaRPr lang="fr-FR"/>
+        </a:p>
+      </dgm:t>
+    </dgm:pt>
+    <dgm:pt modelId="{BA434001-A3CC-4615-A754-37FEDA3342D2}">
+      <dgm:prSet phldrT="[Texte]"/>
+      <dgm:spPr>
+        <a:solidFill>
+          <a:srgbClr val="84CED9"/>
+        </a:solidFill>
+      </dgm:spPr>
+      <dgm:t>
+        <a:bodyPr/>
+        <a:lstStyle/>
+        <a:p>
+          <a:r>
+            <a:rPr lang="fr-FR" dirty="0"/>
+            <a:t>Les perspectives d’amélioration</a:t>
+          </a:r>
+        </a:p>
+      </dgm:t>
+    </dgm:pt>
+    <dgm:pt modelId="{E5153973-67A7-49AE-B83A-2B2C6F8527E5}" type="parTrans" cxnId="{E0A314DE-A71B-4366-A0B7-01CD479A9D64}">
+      <dgm:prSet/>
+      <dgm:spPr/>
+      <dgm:t>
+        <a:bodyPr/>
+        <a:lstStyle/>
+        <a:p>
+          <a:endParaRPr lang="fr-FR"/>
+        </a:p>
+      </dgm:t>
+    </dgm:pt>
+    <dgm:pt modelId="{1F422108-12B5-4B51-BEB0-960FA224C404}" type="sibTrans" cxnId="{E0A314DE-A71B-4366-A0B7-01CD479A9D64}">
+      <dgm:prSet/>
+      <dgm:spPr/>
+      <dgm:t>
+        <a:bodyPr/>
+        <a:lstStyle/>
+        <a:p>
+          <a:endParaRPr lang="fr-FR"/>
+        </a:p>
+      </dgm:t>
+    </dgm:pt>
+    <dgm:pt modelId="{1235D47E-7820-4219-AF06-1B6F1C98BA24}" type="pres">
+      <dgm:prSet presAssocID="{04E42E07-3255-442C-9C2A-E4DCE77D7F36}" presName="Name0" presStyleCnt="0">
+        <dgm:presLayoutVars>
+          <dgm:dir/>
+          <dgm:animLvl val="lvl"/>
+          <dgm:resizeHandles val="exact"/>
+        </dgm:presLayoutVars>
+      </dgm:prSet>
+      <dgm:spPr/>
+    </dgm:pt>
+    <dgm:pt modelId="{69CA90CB-1EC7-451E-8388-0321FD8D4C01}" type="pres">
+      <dgm:prSet presAssocID="{BD45ED9F-A5BE-4EC2-9F1E-6C07DE2E3CB5}" presName="parTxOnly" presStyleLbl="node1" presStyleIdx="0" presStyleCnt="3">
+        <dgm:presLayoutVars>
+          <dgm:chMax val="0"/>
+          <dgm:chPref val="0"/>
+          <dgm:bulletEnabled val="1"/>
+        </dgm:presLayoutVars>
+      </dgm:prSet>
+      <dgm:spPr/>
+    </dgm:pt>
+    <dgm:pt modelId="{9306C94E-75CA-45A7-8500-EC6061D2CAC4}" type="pres">
+      <dgm:prSet presAssocID="{261C556D-7F15-49CB-9EFF-6CDCD88D3DF3}" presName="parTxOnlySpace" presStyleCnt="0"/>
+      <dgm:spPr/>
+    </dgm:pt>
+    <dgm:pt modelId="{FDD16091-7691-4239-9EFC-554FC7BB9410}" type="pres">
+      <dgm:prSet presAssocID="{226B920A-64BA-46A9-B663-5D80536DF065}" presName="parTxOnly" presStyleLbl="node1" presStyleIdx="1" presStyleCnt="3">
+        <dgm:presLayoutVars>
+          <dgm:chMax val="0"/>
+          <dgm:chPref val="0"/>
+          <dgm:bulletEnabled val="1"/>
+        </dgm:presLayoutVars>
+      </dgm:prSet>
+      <dgm:spPr/>
+    </dgm:pt>
+    <dgm:pt modelId="{B98CF7AF-6C73-460A-954C-707AB29793F9}" type="pres">
+      <dgm:prSet presAssocID="{DD2FC762-FDF1-40AE-90D6-EEC107FAC3DC}" presName="parTxOnlySpace" presStyleCnt="0"/>
+      <dgm:spPr/>
+    </dgm:pt>
+    <dgm:pt modelId="{2CE494FC-C8BF-44C0-9AFC-3918CB944AD9}" type="pres">
+      <dgm:prSet presAssocID="{BA434001-A3CC-4615-A754-37FEDA3342D2}" presName="parTxOnly" presStyleLbl="node1" presStyleIdx="2" presStyleCnt="3">
+        <dgm:presLayoutVars>
+          <dgm:chMax val="0"/>
+          <dgm:chPref val="0"/>
+          <dgm:bulletEnabled val="1"/>
+        </dgm:presLayoutVars>
+      </dgm:prSet>
+      <dgm:spPr/>
+    </dgm:pt>
+  </dgm:ptLst>
+  <dgm:cxnLst>
+    <dgm:cxn modelId="{5B2F8F5C-03AB-4A08-9488-CACF16807789}" type="presOf" srcId="{226B920A-64BA-46A9-B663-5D80536DF065}" destId="{FDD16091-7691-4239-9EFC-554FC7BB9410}" srcOrd="0" destOrd="0" presId="urn:microsoft.com/office/officeart/2005/8/layout/chevron1"/>
+    <dgm:cxn modelId="{ED966048-8F1A-477F-919B-4CDAA34E0222}" srcId="{04E42E07-3255-442C-9C2A-E4DCE77D7F36}" destId="{BD45ED9F-A5BE-4EC2-9F1E-6C07DE2E3CB5}" srcOrd="0" destOrd="0" parTransId="{6EFEF076-2A52-4630-9F3C-DE57E3B72870}" sibTransId="{261C556D-7F15-49CB-9EFF-6CDCD88D3DF3}"/>
+    <dgm:cxn modelId="{416A6853-38EC-47F2-BD08-E7AA817BD5C1}" type="presOf" srcId="{BD45ED9F-A5BE-4EC2-9F1E-6C07DE2E3CB5}" destId="{69CA90CB-1EC7-451E-8388-0321FD8D4C01}" srcOrd="0" destOrd="0" presId="urn:microsoft.com/office/officeart/2005/8/layout/chevron1"/>
+    <dgm:cxn modelId="{239F3A5A-BC38-4F38-9C2B-634028C65064}" type="presOf" srcId="{04E42E07-3255-442C-9C2A-E4DCE77D7F36}" destId="{1235D47E-7820-4219-AF06-1B6F1C98BA24}" srcOrd="0" destOrd="0" presId="urn:microsoft.com/office/officeart/2005/8/layout/chevron1"/>
+    <dgm:cxn modelId="{51E959B9-8977-470F-953D-0A758C7EA49E}" srcId="{04E42E07-3255-442C-9C2A-E4DCE77D7F36}" destId="{226B920A-64BA-46A9-B663-5D80536DF065}" srcOrd="1" destOrd="0" parTransId="{0E7C3A06-2023-4C58-8E8C-45503CD90C3A}" sibTransId="{DD2FC762-FDF1-40AE-90D6-EEC107FAC3DC}"/>
+    <dgm:cxn modelId="{4EEADCBD-F7AD-419F-A70F-3DE2EEE24530}" type="presOf" srcId="{BA434001-A3CC-4615-A754-37FEDA3342D2}" destId="{2CE494FC-C8BF-44C0-9AFC-3918CB944AD9}" srcOrd="0" destOrd="0" presId="urn:microsoft.com/office/officeart/2005/8/layout/chevron1"/>
+    <dgm:cxn modelId="{E0A314DE-A71B-4366-A0B7-01CD479A9D64}" srcId="{04E42E07-3255-442C-9C2A-E4DCE77D7F36}" destId="{BA434001-A3CC-4615-A754-37FEDA3342D2}" srcOrd="2" destOrd="0" parTransId="{E5153973-67A7-49AE-B83A-2B2C6F8527E5}" sibTransId="{1F422108-12B5-4B51-BEB0-960FA224C404}"/>
+    <dgm:cxn modelId="{025DF1F0-D88D-4E94-B73E-FCDD74841649}" type="presParOf" srcId="{1235D47E-7820-4219-AF06-1B6F1C98BA24}" destId="{69CA90CB-1EC7-451E-8388-0321FD8D4C01}" srcOrd="0" destOrd="0" presId="urn:microsoft.com/office/officeart/2005/8/layout/chevron1"/>
+    <dgm:cxn modelId="{51ACADA4-09F4-4389-BB79-E8E224E4F8B3}" type="presParOf" srcId="{1235D47E-7820-4219-AF06-1B6F1C98BA24}" destId="{9306C94E-75CA-45A7-8500-EC6061D2CAC4}" srcOrd="1" destOrd="0" presId="urn:microsoft.com/office/officeart/2005/8/layout/chevron1"/>
+    <dgm:cxn modelId="{591867CC-A983-4C78-8BCB-F0DD8F7ADE9E}" type="presParOf" srcId="{1235D47E-7820-4219-AF06-1B6F1C98BA24}" destId="{FDD16091-7691-4239-9EFC-554FC7BB9410}" srcOrd="2" destOrd="0" presId="urn:microsoft.com/office/officeart/2005/8/layout/chevron1"/>
+    <dgm:cxn modelId="{D2707A03-531C-4D1C-8340-13A842544302}" type="presParOf" srcId="{1235D47E-7820-4219-AF06-1B6F1C98BA24}" destId="{B98CF7AF-6C73-460A-954C-707AB29793F9}" srcOrd="3" destOrd="0" presId="urn:microsoft.com/office/officeart/2005/8/layout/chevron1"/>
+    <dgm:cxn modelId="{7F4D3DF1-CEC2-43A1-B0BF-777C7AF51CCF}" type="presParOf" srcId="{1235D47E-7820-4219-AF06-1B6F1C98BA24}" destId="{2CE494FC-C8BF-44C0-9AFC-3918CB944AD9}" srcOrd="4" destOrd="0" presId="urn:microsoft.com/office/officeart/2005/8/layout/chevron1"/>
+  </dgm:cxnLst>
+  <dgm:bg/>
+  <dgm:whole/>
+  <dgm:extLst>
+    <a:ext uri="http://schemas.microsoft.com/office/drawing/2008/diagram">
+      <dsp:dataModelExt xmlns:dsp="http://schemas.microsoft.com/office/drawing/2008/diagram" relId="rId6" minVer="http://schemas.openxmlformats.org/drawingml/2006/diagram"/>
+    </a:ext>
+  </dgm:extLst>
+</dgm:dataModel>
+</file>
+
+<file path=ppt/diagrams/data2.xml><?xml version="1.0" encoding="utf-8"?>
 <dgm:dataModel xmlns:dgm="http://schemas.openxmlformats.org/drawingml/2006/diagram" xmlns:a="http://schemas.openxmlformats.org/drawingml/2006/main">
   <dgm:ptLst>
     <dgm:pt modelId="{DBD3A1BB-B408-45B0-914B-1740088D46A6}" type="doc">
@@ -1828,7 +2776,7 @@
 </dgm:dataModel>
 </file>
 
-<file path=ppt/diagrams/data2.xml><?xml version="1.0" encoding="utf-8"?>
+<file path=ppt/diagrams/data3.xml><?xml version="1.0" encoding="utf-8"?>
 <dgm:dataModel xmlns:dgm="http://schemas.openxmlformats.org/drawingml/2006/diagram" xmlns:a="http://schemas.openxmlformats.org/drawingml/2006/main">
   <dgm:ptLst>
     <dgm:pt modelId="{98D584CE-7D1F-4BB4-A4BC-3E4915E966AF}" type="doc">
@@ -2150,6 +3098,234 @@
       <dsp:cNvGrpSpPr/>
     </dsp:nvGrpSpPr>
     <dsp:grpSpPr/>
+    <dsp:sp modelId="{69CA90CB-1EC7-451E-8388-0321FD8D4C01}">
+      <dsp:nvSpPr>
+        <dsp:cNvPr id="0" name=""/>
+        <dsp:cNvSpPr/>
+      </dsp:nvSpPr>
+      <dsp:spPr>
+        <a:xfrm>
+          <a:off x="3036" y="972323"/>
+          <a:ext cx="3698974" cy="1479589"/>
+        </a:xfrm>
+        <a:prstGeom prst="chevron">
+          <a:avLst/>
+        </a:prstGeom>
+        <a:solidFill>
+          <a:srgbClr val="C00000"/>
+        </a:solidFill>
+        <a:ln w="15875" cap="flat" cmpd="sng" algn="ctr">
+          <a:solidFill>
+            <a:schemeClr val="lt1">
+              <a:hueOff val="0"/>
+              <a:satOff val="0"/>
+              <a:lumOff val="0"/>
+              <a:alphaOff val="0"/>
+            </a:schemeClr>
+          </a:solidFill>
+          <a:prstDash val="solid"/>
+        </a:ln>
+        <a:effectLst/>
+      </dsp:spPr>
+      <dsp:style>
+        <a:lnRef idx="2">
+          <a:scrgbClr r="0" g="0" b="0"/>
+        </a:lnRef>
+        <a:fillRef idx="1">
+          <a:scrgbClr r="0" g="0" b="0"/>
+        </a:fillRef>
+        <a:effectRef idx="0">
+          <a:scrgbClr r="0" g="0" b="0"/>
+        </a:effectRef>
+        <a:fontRef idx="minor">
+          <a:schemeClr val="lt1"/>
+        </a:fontRef>
+      </dsp:style>
+      <dsp:txBody>
+        <a:bodyPr spcFirstLastPara="0" vert="horz" wrap="square" lIns="112014" tIns="37338" rIns="37338" bIns="37338" numCol="1" spcCol="1270" anchor="ctr" anchorCtr="0">
+          <a:noAutofit/>
+        </a:bodyPr>
+        <a:lstStyle/>
+        <a:p>
+          <a:pPr marL="0" lvl="0" indent="0" algn="ctr" defTabSz="1244600">
+            <a:lnSpc>
+              <a:spcPct val="90000"/>
+            </a:lnSpc>
+            <a:spcBef>
+              <a:spcPct val="0"/>
+            </a:spcBef>
+            <a:spcAft>
+              <a:spcPct val="35000"/>
+            </a:spcAft>
+            <a:buNone/>
+          </a:pPr>
+          <a:r>
+            <a:rPr lang="fr-FR" sz="2800" kern="1200" dirty="0"/>
+            <a:t>Le rôle d’intégrateur web</a:t>
+          </a:r>
+        </a:p>
+      </dsp:txBody>
+      <dsp:txXfrm>
+        <a:off x="742831" y="972323"/>
+        <a:ext cx="2219385" cy="1479589"/>
+      </dsp:txXfrm>
+    </dsp:sp>
+    <dsp:sp modelId="{FDD16091-7691-4239-9EFC-554FC7BB9410}">
+      <dsp:nvSpPr>
+        <dsp:cNvPr id="0" name=""/>
+        <dsp:cNvSpPr/>
+      </dsp:nvSpPr>
+      <dsp:spPr>
+        <a:xfrm>
+          <a:off x="3332112" y="972323"/>
+          <a:ext cx="3698974" cy="1479589"/>
+        </a:xfrm>
+        <a:prstGeom prst="chevron">
+          <a:avLst/>
+        </a:prstGeom>
+        <a:solidFill>
+          <a:srgbClr val="93C856"/>
+        </a:solidFill>
+        <a:ln w="15875" cap="flat" cmpd="sng" algn="ctr">
+          <a:solidFill>
+            <a:schemeClr val="lt1">
+              <a:hueOff val="0"/>
+              <a:satOff val="0"/>
+              <a:lumOff val="0"/>
+              <a:alphaOff val="0"/>
+            </a:schemeClr>
+          </a:solidFill>
+          <a:prstDash val="solid"/>
+        </a:ln>
+        <a:effectLst/>
+      </dsp:spPr>
+      <dsp:style>
+        <a:lnRef idx="2">
+          <a:scrgbClr r="0" g="0" b="0"/>
+        </a:lnRef>
+        <a:fillRef idx="1">
+          <a:scrgbClr r="0" g="0" b="0"/>
+        </a:fillRef>
+        <a:effectRef idx="0">
+          <a:scrgbClr r="0" g="0" b="0"/>
+        </a:effectRef>
+        <a:fontRef idx="minor">
+          <a:schemeClr val="lt1"/>
+        </a:fontRef>
+      </dsp:style>
+      <dsp:txBody>
+        <a:bodyPr spcFirstLastPara="0" vert="horz" wrap="square" lIns="112014" tIns="37338" rIns="37338" bIns="37338" numCol="1" spcCol="1270" anchor="ctr" anchorCtr="0">
+          <a:noAutofit/>
+        </a:bodyPr>
+        <a:lstStyle/>
+        <a:p>
+          <a:pPr marL="0" lvl="0" indent="0" algn="ctr" defTabSz="1244600">
+            <a:lnSpc>
+              <a:spcPct val="90000"/>
+            </a:lnSpc>
+            <a:spcBef>
+              <a:spcPct val="0"/>
+            </a:spcBef>
+            <a:spcAft>
+              <a:spcPct val="35000"/>
+            </a:spcAft>
+            <a:buNone/>
+          </a:pPr>
+          <a:r>
+            <a:rPr lang="fr-FR" sz="2800" kern="1200" dirty="0"/>
+            <a:t>Les difficultés rencontrées</a:t>
+          </a:r>
+        </a:p>
+      </dsp:txBody>
+      <dsp:txXfrm>
+        <a:off x="4071907" y="972323"/>
+        <a:ext cx="2219385" cy="1479589"/>
+      </dsp:txXfrm>
+    </dsp:sp>
+    <dsp:sp modelId="{2CE494FC-C8BF-44C0-9AFC-3918CB944AD9}">
+      <dsp:nvSpPr>
+        <dsp:cNvPr id="0" name=""/>
+        <dsp:cNvSpPr/>
+      </dsp:nvSpPr>
+      <dsp:spPr>
+        <a:xfrm>
+          <a:off x="6661189" y="972323"/>
+          <a:ext cx="3698974" cy="1479589"/>
+        </a:xfrm>
+        <a:prstGeom prst="chevron">
+          <a:avLst/>
+        </a:prstGeom>
+        <a:solidFill>
+          <a:srgbClr val="84CED9"/>
+        </a:solidFill>
+        <a:ln w="15875" cap="flat" cmpd="sng" algn="ctr">
+          <a:solidFill>
+            <a:schemeClr val="lt1">
+              <a:hueOff val="0"/>
+              <a:satOff val="0"/>
+              <a:lumOff val="0"/>
+              <a:alphaOff val="0"/>
+            </a:schemeClr>
+          </a:solidFill>
+          <a:prstDash val="solid"/>
+        </a:ln>
+        <a:effectLst/>
+      </dsp:spPr>
+      <dsp:style>
+        <a:lnRef idx="2">
+          <a:scrgbClr r="0" g="0" b="0"/>
+        </a:lnRef>
+        <a:fillRef idx="1">
+          <a:scrgbClr r="0" g="0" b="0"/>
+        </a:fillRef>
+        <a:effectRef idx="0">
+          <a:scrgbClr r="0" g="0" b="0"/>
+        </a:effectRef>
+        <a:fontRef idx="minor">
+          <a:schemeClr val="lt1"/>
+        </a:fontRef>
+      </dsp:style>
+      <dsp:txBody>
+        <a:bodyPr spcFirstLastPara="0" vert="horz" wrap="square" lIns="112014" tIns="37338" rIns="37338" bIns="37338" numCol="1" spcCol="1270" anchor="ctr" anchorCtr="0">
+          <a:noAutofit/>
+        </a:bodyPr>
+        <a:lstStyle/>
+        <a:p>
+          <a:pPr marL="0" lvl="0" indent="0" algn="ctr" defTabSz="1244600">
+            <a:lnSpc>
+              <a:spcPct val="90000"/>
+            </a:lnSpc>
+            <a:spcBef>
+              <a:spcPct val="0"/>
+            </a:spcBef>
+            <a:spcAft>
+              <a:spcPct val="35000"/>
+            </a:spcAft>
+            <a:buNone/>
+          </a:pPr>
+          <a:r>
+            <a:rPr lang="fr-FR" sz="2800" kern="1200" dirty="0"/>
+            <a:t>Les perspectives d’amélioration</a:t>
+          </a:r>
+        </a:p>
+      </dsp:txBody>
+      <dsp:txXfrm>
+        <a:off x="7400984" y="972323"/>
+        <a:ext cx="2219385" cy="1479589"/>
+      </dsp:txXfrm>
+    </dsp:sp>
+  </dsp:spTree>
+</dsp:drawing>
+</file>
+
+<file path=ppt/diagrams/drawing2.xml><?xml version="1.0" encoding="utf-8"?>
+<dsp:drawing xmlns:dgm="http://schemas.openxmlformats.org/drawingml/2006/diagram" xmlns:dsp="http://schemas.microsoft.com/office/drawing/2008/diagram" xmlns:a="http://schemas.openxmlformats.org/drawingml/2006/main">
+  <dsp:spTree>
+    <dsp:nvGrpSpPr>
+      <dsp:cNvPr id="0" name=""/>
+      <dsp:cNvGrpSpPr/>
+    </dsp:nvGrpSpPr>
+    <dsp:grpSpPr/>
     <dsp:sp modelId="{2D70FB1C-D494-496A-BA29-3B32FED7FE7E}">
       <dsp:nvSpPr>
         <dsp:cNvPr id="0" name=""/>
@@ -2409,7 +3585,7 @@
 </dsp:drawing>
 </file>
 
-<file path=ppt/diagrams/drawing2.xml><?xml version="1.0" encoding="utf-8"?>
+<file path=ppt/diagrams/drawing3.xml><?xml version="1.0" encoding="utf-8"?>
 <dsp:drawing xmlns:dgm="http://schemas.openxmlformats.org/drawingml/2006/diagram" xmlns:dsp="http://schemas.microsoft.com/office/drawing/2008/diagram" xmlns:a="http://schemas.openxmlformats.org/drawingml/2006/main">
   <dsp:spTree>
     <dsp:nvGrpSpPr>
@@ -2819,6 +3995,289 @@
 </file>
 
 <file path=ppt/diagrams/layout1.xml><?xml version="1.0" encoding="utf-8"?>
+<dgm:layoutDef xmlns:dgm="http://schemas.openxmlformats.org/drawingml/2006/diagram" xmlns:a="http://schemas.openxmlformats.org/drawingml/2006/main" uniqueId="urn:microsoft.com/office/officeart/2005/8/layout/chevron1">
+  <dgm:title val=""/>
+  <dgm:desc val=""/>
+  <dgm:catLst>
+    <dgm:cat type="process" pri="9000"/>
+  </dgm:catLst>
+  <dgm:sampData useDef="1">
+    <dgm:dataModel>
+      <dgm:ptLst/>
+      <dgm:bg/>
+      <dgm:whole/>
+    </dgm:dataModel>
+  </dgm:sampData>
+  <dgm:styleData>
+    <dgm:dataModel>
+      <dgm:ptLst>
+        <dgm:pt modelId="0" type="doc"/>
+        <dgm:pt modelId="1"/>
+        <dgm:pt modelId="2"/>
+      </dgm:ptLst>
+      <dgm:cxnLst>
+        <dgm:cxn modelId="3" srcId="0" destId="1" srcOrd="0" destOrd="0"/>
+        <dgm:cxn modelId="4" srcId="0" destId="2" srcOrd="1" destOrd="0"/>
+      </dgm:cxnLst>
+      <dgm:bg/>
+      <dgm:whole/>
+    </dgm:dataModel>
+  </dgm:styleData>
+  <dgm:clrData>
+    <dgm:dataModel>
+      <dgm:ptLst>
+        <dgm:pt modelId="0" type="doc"/>
+        <dgm:pt modelId="1"/>
+        <dgm:pt modelId="2"/>
+        <dgm:pt modelId="3"/>
+        <dgm:pt modelId="4"/>
+      </dgm:ptLst>
+      <dgm:cxnLst>
+        <dgm:cxn modelId="5" srcId="0" destId="1" srcOrd="0" destOrd="0"/>
+        <dgm:cxn modelId="6" srcId="0" destId="2" srcOrd="1" destOrd="0"/>
+        <dgm:cxn modelId="7" srcId="0" destId="3" srcOrd="2" destOrd="0"/>
+        <dgm:cxn modelId="8" srcId="0" destId="4" srcOrd="3" destOrd="0"/>
+      </dgm:cxnLst>
+      <dgm:bg/>
+      <dgm:whole/>
+    </dgm:dataModel>
+  </dgm:clrData>
+  <dgm:layoutNode name="Name0">
+    <dgm:varLst>
+      <dgm:dir/>
+      <dgm:animLvl val="lvl"/>
+      <dgm:resizeHandles val="exact"/>
+    </dgm:varLst>
+    <dgm:choose name="Name1">
+      <dgm:if name="Name2" func="var" arg="dir" op="equ" val="norm">
+        <dgm:alg type="lin"/>
+      </dgm:if>
+      <dgm:else name="Name3">
+        <dgm:alg type="lin">
+          <dgm:param type="linDir" val="fromR"/>
+        </dgm:alg>
+      </dgm:else>
+    </dgm:choose>
+    <dgm:shape xmlns:r="http://schemas.openxmlformats.org/officeDocument/2006/relationships" r:blip="">
+      <dgm:adjLst/>
+    </dgm:shape>
+    <dgm:presOf/>
+    <dgm:choose name="Name4">
+      <dgm:if name="Name5" axis="des" func="maxDepth" op="gte" val="2">
+        <dgm:constrLst>
+          <dgm:constr type="h" for="ch" forName="composite" refType="h"/>
+          <dgm:constr type="w" for="ch" forName="composite" refType="w"/>
+          <dgm:constr type="w" for="des" forName="parTx"/>
+          <dgm:constr type="h" for="des" forName="parTx" op="equ"/>
+          <dgm:constr type="w" for="des" forName="desTx"/>
+          <dgm:constr type="h" for="des" forName="desTx" op="equ"/>
+          <dgm:constr type="primFontSz" for="des" forName="parTx" val="65"/>
+          <dgm:constr type="secFontSz" for="des" forName="desTx" refType="primFontSz" refFor="des" refForName="parTx" op="equ"/>
+          <dgm:constr type="h" for="des" forName="parTx" refType="primFontSz" refFor="des" refForName="parTx" fact="1.5"/>
+          <dgm:constr type="h" for="des" forName="desTx" refType="primFontSz" refFor="des" refForName="parTx" fact="0.5"/>
+          <dgm:constr type="w" for="ch" forName="space" op="equ" val="-6"/>
+        </dgm:constrLst>
+        <dgm:ruleLst>
+          <dgm:rule type="w" for="ch" forName="composite" val="0" fact="NaN" max="NaN"/>
+          <dgm:rule type="primFontSz" for="des" forName="parTx" val="5" fact="NaN" max="NaN"/>
+        </dgm:ruleLst>
+        <dgm:forEach name="Name6" axis="ch" ptType="node">
+          <dgm:layoutNode name="composite">
+            <dgm:alg type="composite"/>
+            <dgm:shape xmlns:r="http://schemas.openxmlformats.org/officeDocument/2006/relationships" r:blip="">
+              <dgm:adjLst/>
+            </dgm:shape>
+            <dgm:presOf/>
+            <dgm:choose name="Name7">
+              <dgm:if name="Name8" func="var" arg="dir" op="equ" val="norm">
+                <dgm:constrLst>
+                  <dgm:constr type="l" for="ch" forName="parTx"/>
+                  <dgm:constr type="w" for="ch" forName="parTx" refType="w"/>
+                  <dgm:constr type="t" for="ch" forName="parTx"/>
+                  <dgm:constr type="l" for="ch" forName="desTx"/>
+                  <dgm:constr type="w" for="ch" forName="desTx" refType="w" refFor="ch" refForName="parTx" fact="0.8"/>
+                  <dgm:constr type="t" for="ch" forName="desTx" refType="h" refFor="ch" refForName="parTx" fact="1.125"/>
+                </dgm:constrLst>
+              </dgm:if>
+              <dgm:else name="Name9">
+                <dgm:constrLst>
+                  <dgm:constr type="l" for="ch" forName="parTx"/>
+                  <dgm:constr type="w" for="ch" forName="parTx" refType="w"/>
+                  <dgm:constr type="t" for="ch" forName="parTx"/>
+                  <dgm:constr type="l" for="ch" forName="desTx" refType="w" fact="0.2"/>
+                  <dgm:constr type="w" for="ch" forName="desTx" refType="w" refFor="ch" refForName="parTx" fact="0.8"/>
+                  <dgm:constr type="t" for="ch" forName="desTx" refType="h" refFor="ch" refForName="parTx" fact="1.125"/>
+                </dgm:constrLst>
+              </dgm:else>
+            </dgm:choose>
+            <dgm:ruleLst>
+              <dgm:rule type="h" val="INF" fact="NaN" max="NaN"/>
+            </dgm:ruleLst>
+            <dgm:layoutNode name="parTx">
+              <dgm:varLst>
+                <dgm:chMax val="0"/>
+                <dgm:chPref val="0"/>
+                <dgm:bulletEnabled val="1"/>
+              </dgm:varLst>
+              <dgm:alg type="tx"/>
+              <dgm:choose name="Name10">
+                <dgm:if name="Name11" func="var" arg="dir" op="equ" val="norm">
+                  <dgm:shape xmlns:r="http://schemas.openxmlformats.org/officeDocument/2006/relationships" type="chevron" r:blip="">
+                    <dgm:adjLst/>
+                  </dgm:shape>
+                </dgm:if>
+                <dgm:else name="Name12">
+                  <dgm:shape xmlns:r="http://schemas.openxmlformats.org/officeDocument/2006/relationships" rot="180" type="chevron" r:blip="">
+                    <dgm:adjLst/>
+                  </dgm:shape>
+                </dgm:else>
+              </dgm:choose>
+              <dgm:presOf axis="self" ptType="node"/>
+              <dgm:choose name="Name13">
+                <dgm:if name="Name14" func="var" arg="dir" op="equ" val="norm">
+                  <dgm:constrLst>
+                    <dgm:constr type="h" refType="w" op="lte" fact="0.4"/>
+                    <dgm:constr type="h"/>
+                    <dgm:constr type="tMarg" refType="primFontSz" fact="0.105"/>
+                    <dgm:constr type="bMarg" refType="primFontSz" fact="0.105"/>
+                    <dgm:constr type="lMarg" refType="primFontSz" fact="0.315"/>
+                    <dgm:constr type="rMarg" refType="primFontSz" fact="0.105"/>
+                  </dgm:constrLst>
+                </dgm:if>
+                <dgm:else name="Name15">
+                  <dgm:constrLst>
+                    <dgm:constr type="h" refType="w" op="lte" fact="0.4"/>
+                    <dgm:constr type="h"/>
+                    <dgm:constr type="tMarg" refType="primFontSz" fact="0.105"/>
+                    <dgm:constr type="bMarg" refType="primFontSz" fact="0.105"/>
+                    <dgm:constr type="lMarg" refType="primFontSz" fact="0.105"/>
+                    <dgm:constr type="rMarg" refType="primFontSz" fact="0.315"/>
+                  </dgm:constrLst>
+                </dgm:else>
+              </dgm:choose>
+              <dgm:ruleLst>
+                <dgm:rule type="h" val="INF" fact="NaN" max="NaN"/>
+              </dgm:ruleLst>
+            </dgm:layoutNode>
+            <dgm:layoutNode name="desTx" styleLbl="revTx">
+              <dgm:varLst>
+                <dgm:bulletEnabled val="1"/>
+              </dgm:varLst>
+              <dgm:alg type="tx">
+                <dgm:param type="stBulletLvl" val="1"/>
+              </dgm:alg>
+              <dgm:choose name="Name16">
+                <dgm:if name="Name17" axis="ch" ptType="node" func="cnt" op="gte" val="1">
+                  <dgm:shape xmlns:r="http://schemas.openxmlformats.org/officeDocument/2006/relationships" type="rect" r:blip="">
+                    <dgm:adjLst/>
+                  </dgm:shape>
+                </dgm:if>
+                <dgm:else name="Name18">
+                  <dgm:shape xmlns:r="http://schemas.openxmlformats.org/officeDocument/2006/relationships" type="rect" r:blip="" hideGeom="1">
+                    <dgm:adjLst/>
+                  </dgm:shape>
+                </dgm:else>
+              </dgm:choose>
+              <dgm:presOf axis="des" ptType="node"/>
+              <dgm:constrLst>
+                <dgm:constr type="secFontSz" val="65"/>
+                <dgm:constr type="primFontSz" refType="secFontSz"/>
+                <dgm:constr type="h"/>
+                <dgm:constr type="tMarg"/>
+                <dgm:constr type="bMarg"/>
+                <dgm:constr type="rMarg"/>
+                <dgm:constr type="lMarg"/>
+              </dgm:constrLst>
+              <dgm:ruleLst>
+                <dgm:rule type="h" val="INF" fact="NaN" max="NaN"/>
+              </dgm:ruleLst>
+            </dgm:layoutNode>
+          </dgm:layoutNode>
+          <dgm:forEach name="Name19" axis="followSib" ptType="sibTrans" cnt="1">
+            <dgm:layoutNode name="space">
+              <dgm:alg type="sp"/>
+              <dgm:shape xmlns:r="http://schemas.openxmlformats.org/officeDocument/2006/relationships" r:blip="">
+                <dgm:adjLst/>
+              </dgm:shape>
+              <dgm:presOf/>
+              <dgm:constrLst/>
+              <dgm:ruleLst/>
+            </dgm:layoutNode>
+          </dgm:forEach>
+        </dgm:forEach>
+      </dgm:if>
+      <dgm:else name="Name20">
+        <dgm:constrLst>
+          <dgm:constr type="w" for="ch" forName="parTxOnly" refType="w"/>
+          <dgm:constr type="h" for="des" forName="parTxOnly" op="equ"/>
+          <dgm:constr type="primFontSz" for="des" forName="parTxOnly" op="equ" val="65"/>
+          <dgm:constr type="w" for="ch" forName="parTxOnlySpace" refType="w" refFor="ch" refForName="parTxOnly" fact="-0.1"/>
+        </dgm:constrLst>
+        <dgm:ruleLst/>
+        <dgm:forEach name="Name21" axis="ch" ptType="node">
+          <dgm:layoutNode name="parTxOnly">
+            <dgm:varLst>
+              <dgm:chMax val="0"/>
+              <dgm:chPref val="0"/>
+              <dgm:bulletEnabled val="1"/>
+            </dgm:varLst>
+            <dgm:alg type="tx"/>
+            <dgm:choose name="Name22">
+              <dgm:if name="Name23" func="var" arg="dir" op="equ" val="norm">
+                <dgm:shape xmlns:r="http://schemas.openxmlformats.org/officeDocument/2006/relationships" type="chevron" r:blip="">
+                  <dgm:adjLst/>
+                </dgm:shape>
+              </dgm:if>
+              <dgm:else name="Name24">
+                <dgm:shape xmlns:r="http://schemas.openxmlformats.org/officeDocument/2006/relationships" rot="180" type="chevron" r:blip="">
+                  <dgm:adjLst/>
+                </dgm:shape>
+              </dgm:else>
+            </dgm:choose>
+            <dgm:presOf axis="self" ptType="node"/>
+            <dgm:choose name="Name25">
+              <dgm:if name="Name26" func="var" arg="dir" op="equ" val="norm">
+                <dgm:constrLst>
+                  <dgm:constr type="h" refType="w" op="equ" fact="0.4"/>
+                  <dgm:constr type="tMarg" refType="primFontSz" fact="0.105"/>
+                  <dgm:constr type="bMarg" refType="primFontSz" fact="0.105"/>
+                  <dgm:constr type="lMarg" refType="primFontSz" fact="0.315"/>
+                  <dgm:constr type="rMarg" refType="primFontSz" fact="0.105"/>
+                </dgm:constrLst>
+              </dgm:if>
+              <dgm:else name="Name27">
+                <dgm:constrLst>
+                  <dgm:constr type="h" refType="w" op="equ" fact="0.4"/>
+                  <dgm:constr type="tMarg" refType="primFontSz" fact="0.105"/>
+                  <dgm:constr type="bMarg" refType="primFontSz" fact="0.105"/>
+                  <dgm:constr type="lMarg" refType="primFontSz" fact="0.105"/>
+                  <dgm:constr type="rMarg" refType="primFontSz" fact="0.315"/>
+                </dgm:constrLst>
+              </dgm:else>
+            </dgm:choose>
+            <dgm:ruleLst>
+              <dgm:rule type="primFontSz" val="5" fact="NaN" max="NaN"/>
+            </dgm:ruleLst>
+          </dgm:layoutNode>
+          <dgm:forEach name="Name28" axis="followSib" ptType="sibTrans" cnt="1">
+            <dgm:layoutNode name="parTxOnlySpace">
+              <dgm:alg type="sp"/>
+              <dgm:shape xmlns:r="http://schemas.openxmlformats.org/officeDocument/2006/relationships" r:blip="">
+                <dgm:adjLst/>
+              </dgm:shape>
+              <dgm:presOf/>
+              <dgm:constrLst/>
+              <dgm:ruleLst/>
+            </dgm:layoutNode>
+          </dgm:forEach>
+        </dgm:forEach>
+      </dgm:else>
+    </dgm:choose>
+  </dgm:layoutNode>
+</dgm:layoutDef>
+</file>
+
+<file path=ppt/diagrams/layout2.xml><?xml version="1.0" encoding="utf-8"?>
 <dgm:layoutDef xmlns:dgm="http://schemas.openxmlformats.org/drawingml/2006/diagram" xmlns:a="http://schemas.openxmlformats.org/drawingml/2006/main" uniqueId="urn:microsoft.com/office/officeart/2005/8/layout/hProcess9">
   <dgm:title val=""/>
   <dgm:desc val=""/>
@@ -2972,7 +4431,7 @@
 </dgm:layoutDef>
 </file>
 
-<file path=ppt/diagrams/layout2.xml><?xml version="1.0" encoding="utf-8"?>
+<file path=ppt/diagrams/layout3.xml><?xml version="1.0" encoding="utf-8"?>
 <dgm:layoutDef xmlns:dgm="http://schemas.openxmlformats.org/drawingml/2006/diagram" xmlns:a="http://schemas.openxmlformats.org/drawingml/2006/main" uniqueId="urn:microsoft.com/office/officeart/2005/8/layout/cycle3">
   <dgm:title val=""/>
   <dgm:desc val=""/>
@@ -5443,6 +6902,1040 @@
 </dgm:styleDef>
 </file>
 
+<file path=ppt/diagrams/quickStyle3.xml><?xml version="1.0" encoding="utf-8"?>
+<dgm:styleDef xmlns:dgm="http://schemas.openxmlformats.org/drawingml/2006/diagram" xmlns:a="http://schemas.openxmlformats.org/drawingml/2006/main" uniqueId="urn:microsoft.com/office/officeart/2005/8/quickstyle/simple1">
+  <dgm:title val=""/>
+  <dgm:desc val=""/>
+  <dgm:catLst>
+    <dgm:cat type="simple" pri="10100"/>
+  </dgm:catLst>
+  <dgm:scene3d>
+    <a:camera prst="orthographicFront"/>
+    <a:lightRig rig="threePt" dir="t"/>
+  </dgm:scene3d>
+  <dgm:styleLbl name="node0">
+    <dgm:scene3d>
+      <a:camera prst="orthographicFront"/>
+      <a:lightRig rig="threePt" dir="t"/>
+    </dgm:scene3d>
+    <dgm:sp3d/>
+    <dgm:txPr/>
+    <dgm:style>
+      <a:lnRef idx="2">
+        <a:scrgbClr r="0" g="0" b="0"/>
+      </a:lnRef>
+      <a:fillRef idx="1">
+        <a:scrgbClr r="0" g="0" b="0"/>
+      </a:fillRef>
+      <a:effectRef idx="0">
+        <a:scrgbClr r="0" g="0" b="0"/>
+      </a:effectRef>
+      <a:fontRef idx="minor">
+        <a:schemeClr val="lt1"/>
+      </a:fontRef>
+    </dgm:style>
+  </dgm:styleLbl>
+  <dgm:styleLbl name="lnNode1">
+    <dgm:scene3d>
+      <a:camera prst="orthographicFront"/>
+      <a:lightRig rig="threePt" dir="t"/>
+    </dgm:scene3d>
+    <dgm:sp3d/>
+    <dgm:txPr/>
+    <dgm:style>
+      <a:lnRef idx="2">
+        <a:scrgbClr r="0" g="0" b="0"/>
+      </a:lnRef>
+      <a:fillRef idx="1">
+        <a:scrgbClr r="0" g="0" b="0"/>
+      </a:fillRef>
+      <a:effectRef idx="0">
+        <a:scrgbClr r="0" g="0" b="0"/>
+      </a:effectRef>
+      <a:fontRef idx="minor">
+        <a:schemeClr val="lt1"/>
+      </a:fontRef>
+    </dgm:style>
+  </dgm:styleLbl>
+  <dgm:styleLbl name="vennNode1">
+    <dgm:scene3d>
+      <a:camera prst="orthographicFront"/>
+      <a:lightRig rig="threePt" dir="t"/>
+    </dgm:scene3d>
+    <dgm:sp3d/>
+    <dgm:txPr/>
+    <dgm:style>
+      <a:lnRef idx="2">
+        <a:scrgbClr r="0" g="0" b="0"/>
+      </a:lnRef>
+      <a:fillRef idx="1">
+        <a:scrgbClr r="0" g="0" b="0"/>
+      </a:fillRef>
+      <a:effectRef idx="0">
+        <a:scrgbClr r="0" g="0" b="0"/>
+      </a:effectRef>
+      <a:fontRef idx="minor">
+        <a:schemeClr val="tx1"/>
+      </a:fontRef>
+    </dgm:style>
+  </dgm:styleLbl>
+  <dgm:styleLbl name="alignNode1">
+    <dgm:scene3d>
+      <a:camera prst="orthographicFront"/>
+      <a:lightRig rig="threePt" dir="t"/>
+    </dgm:scene3d>
+    <dgm:sp3d/>
+    <dgm:txPr/>
+    <dgm:style>
+      <a:lnRef idx="2">
+        <a:scrgbClr r="0" g="0" b="0"/>
+      </a:lnRef>
+      <a:fillRef idx="1">
+        <a:scrgbClr r="0" g="0" b="0"/>
+      </a:fillRef>
+      <a:effectRef idx="0">
+        <a:scrgbClr r="0" g="0" b="0"/>
+      </a:effectRef>
+      <a:fontRef idx="minor">
+        <a:schemeClr val="lt1"/>
+      </a:fontRef>
+    </dgm:style>
+  </dgm:styleLbl>
+  <dgm:styleLbl name="node1">
+    <dgm:scene3d>
+      <a:camera prst="orthographicFront"/>
+      <a:lightRig rig="threePt" dir="t"/>
+    </dgm:scene3d>
+    <dgm:sp3d/>
+    <dgm:txPr/>
+    <dgm:style>
+      <a:lnRef idx="2">
+        <a:scrgbClr r="0" g="0" b="0"/>
+      </a:lnRef>
+      <a:fillRef idx="1">
+        <a:scrgbClr r="0" g="0" b="0"/>
+      </a:fillRef>
+      <a:effectRef idx="0">
+        <a:scrgbClr r="0" g="0" b="0"/>
+      </a:effectRef>
+      <a:fontRef idx="minor">
+        <a:schemeClr val="lt1"/>
+      </a:fontRef>
+    </dgm:style>
+  </dgm:styleLbl>
+  <dgm:styleLbl name="node2">
+    <dgm:scene3d>
+      <a:camera prst="orthographicFront"/>
+      <a:lightRig rig="threePt" dir="t"/>
+    </dgm:scene3d>
+    <dgm:sp3d/>
+    <dgm:txPr/>
+    <dgm:style>
+      <a:lnRef idx="2">
+        <a:scrgbClr r="0" g="0" b="0"/>
+      </a:lnRef>
+      <a:fillRef idx="1">
+        <a:scrgbClr r="0" g="0" b="0"/>
+      </a:fillRef>
+      <a:effectRef idx="0">
+        <a:scrgbClr r="0" g="0" b="0"/>
+      </a:effectRef>
+      <a:fontRef idx="minor">
+        <a:schemeClr val="lt1"/>
+      </a:fontRef>
+    </dgm:style>
+  </dgm:styleLbl>
+  <dgm:styleLbl name="node3">
+    <dgm:scene3d>
+      <a:camera prst="orthographicFront"/>
+      <a:lightRig rig="threePt" dir="t"/>
+    </dgm:scene3d>
+    <dgm:sp3d/>
+    <dgm:txPr/>
+    <dgm:style>
+      <a:lnRef idx="2">
+        <a:scrgbClr r="0" g="0" b="0"/>
+      </a:lnRef>
+      <a:fillRef idx="1">
+        <a:scrgbClr r="0" g="0" b="0"/>
+      </a:fillRef>
+      <a:effectRef idx="0">
+        <a:scrgbClr r="0" g="0" b="0"/>
+      </a:effectRef>
+      <a:fontRef idx="minor">
+        <a:schemeClr val="lt1"/>
+      </a:fontRef>
+    </dgm:style>
+  </dgm:styleLbl>
+  <dgm:styleLbl name="node4">
+    <dgm:scene3d>
+      <a:camera prst="orthographicFront"/>
+      <a:lightRig rig="threePt" dir="t"/>
+    </dgm:scene3d>
+    <dgm:sp3d/>
+    <dgm:txPr/>
+    <dgm:style>
+      <a:lnRef idx="2">
+        <a:scrgbClr r="0" g="0" b="0"/>
+      </a:lnRef>
+      <a:fillRef idx="1">
+        <a:scrgbClr r="0" g="0" b="0"/>
+      </a:fillRef>
+      <a:effectRef idx="0">
+        <a:scrgbClr r="0" g="0" b="0"/>
+      </a:effectRef>
+      <a:fontRef idx="minor">
+        <a:schemeClr val="lt1"/>
+      </a:fontRef>
+    </dgm:style>
+  </dgm:styleLbl>
+  <dgm:styleLbl name="fgImgPlace1">
+    <dgm:scene3d>
+      <a:camera prst="orthographicFront"/>
+      <a:lightRig rig="threePt" dir="t"/>
+    </dgm:scene3d>
+    <dgm:sp3d/>
+    <dgm:txPr/>
+    <dgm:style>
+      <a:lnRef idx="2">
+        <a:scrgbClr r="0" g="0" b="0"/>
+      </a:lnRef>
+      <a:fillRef idx="1">
+        <a:scrgbClr r="0" g="0" b="0"/>
+      </a:fillRef>
+      <a:effectRef idx="0">
+        <a:scrgbClr r="0" g="0" b="0"/>
+      </a:effectRef>
+      <a:fontRef idx="minor"/>
+    </dgm:style>
+  </dgm:styleLbl>
+  <dgm:styleLbl name="alignImgPlace1">
+    <dgm:scene3d>
+      <a:camera prst="orthographicFront"/>
+      <a:lightRig rig="threePt" dir="t"/>
+    </dgm:scene3d>
+    <dgm:sp3d/>
+    <dgm:txPr/>
+    <dgm:style>
+      <a:lnRef idx="2">
+        <a:scrgbClr r="0" g="0" b="0"/>
+      </a:lnRef>
+      <a:fillRef idx="1">
+        <a:scrgbClr r="0" g="0" b="0"/>
+      </a:fillRef>
+      <a:effectRef idx="0">
+        <a:scrgbClr r="0" g="0" b="0"/>
+      </a:effectRef>
+      <a:fontRef idx="minor"/>
+    </dgm:style>
+  </dgm:styleLbl>
+  <dgm:styleLbl name="bgImgPlace1">
+    <dgm:scene3d>
+      <a:camera prst="orthographicFront"/>
+      <a:lightRig rig="threePt" dir="t"/>
+    </dgm:scene3d>
+    <dgm:sp3d/>
+    <dgm:txPr/>
+    <dgm:style>
+      <a:lnRef idx="2">
+        <a:scrgbClr r="0" g="0" b="0"/>
+      </a:lnRef>
+      <a:fillRef idx="1">
+        <a:scrgbClr r="0" g="0" b="0"/>
+      </a:fillRef>
+      <a:effectRef idx="0">
+        <a:scrgbClr r="0" g="0" b="0"/>
+      </a:effectRef>
+      <a:fontRef idx="minor"/>
+    </dgm:style>
+  </dgm:styleLbl>
+  <dgm:styleLbl name="sibTrans2D1">
+    <dgm:scene3d>
+      <a:camera prst="orthographicFront"/>
+      <a:lightRig rig="threePt" dir="t"/>
+    </dgm:scene3d>
+    <dgm:sp3d/>
+    <dgm:txPr/>
+    <dgm:style>
+      <a:lnRef idx="0">
+        <a:scrgbClr r="0" g="0" b="0"/>
+      </a:lnRef>
+      <a:fillRef idx="1">
+        <a:scrgbClr r="0" g="0" b="0"/>
+      </a:fillRef>
+      <a:effectRef idx="0">
+        <a:scrgbClr r="0" g="0" b="0"/>
+      </a:effectRef>
+      <a:fontRef idx="minor">
+        <a:schemeClr val="lt1"/>
+      </a:fontRef>
+    </dgm:style>
+  </dgm:styleLbl>
+  <dgm:styleLbl name="fgSibTrans2D1">
+    <dgm:scene3d>
+      <a:camera prst="orthographicFront"/>
+      <a:lightRig rig="threePt" dir="t"/>
+    </dgm:scene3d>
+    <dgm:sp3d/>
+    <dgm:txPr/>
+    <dgm:style>
+      <a:lnRef idx="0">
+        <a:scrgbClr r="0" g="0" b="0"/>
+      </a:lnRef>
+      <a:fillRef idx="1">
+        <a:scrgbClr r="0" g="0" b="0"/>
+      </a:fillRef>
+      <a:effectRef idx="0">
+        <a:scrgbClr r="0" g="0" b="0"/>
+      </a:effectRef>
+      <a:fontRef idx="minor">
+        <a:schemeClr val="lt1"/>
+      </a:fontRef>
+    </dgm:style>
+  </dgm:styleLbl>
+  <dgm:styleLbl name="bgSibTrans2D1">
+    <dgm:scene3d>
+      <a:camera prst="orthographicFront"/>
+      <a:lightRig rig="threePt" dir="t"/>
+    </dgm:scene3d>
+    <dgm:sp3d/>
+    <dgm:txPr/>
+    <dgm:style>
+      <a:lnRef idx="0">
+        <a:scrgbClr r="0" g="0" b="0"/>
+      </a:lnRef>
+      <a:fillRef idx="1">
+        <a:scrgbClr r="0" g="0" b="0"/>
+      </a:fillRef>
+      <a:effectRef idx="0">
+        <a:scrgbClr r="0" g="0" b="0"/>
+      </a:effectRef>
+      <a:fontRef idx="minor">
+        <a:schemeClr val="lt1"/>
+      </a:fontRef>
+    </dgm:style>
+  </dgm:styleLbl>
+  <dgm:styleLbl name="sibTrans1D1">
+    <dgm:scene3d>
+      <a:camera prst="orthographicFront"/>
+      <a:lightRig rig="threePt" dir="t"/>
+    </dgm:scene3d>
+    <dgm:sp3d/>
+    <dgm:txPr/>
+    <dgm:style>
+      <a:lnRef idx="1">
+        <a:scrgbClr r="0" g="0" b="0"/>
+      </a:lnRef>
+      <a:fillRef idx="0">
+        <a:scrgbClr r="0" g="0" b="0"/>
+      </a:fillRef>
+      <a:effectRef idx="0">
+        <a:scrgbClr r="0" g="0" b="0"/>
+      </a:effectRef>
+      <a:fontRef idx="minor"/>
+    </dgm:style>
+  </dgm:styleLbl>
+  <dgm:styleLbl name="callout">
+    <dgm:scene3d>
+      <a:camera prst="orthographicFront"/>
+      <a:lightRig rig="threePt" dir="t"/>
+    </dgm:scene3d>
+    <dgm:sp3d/>
+    <dgm:txPr/>
+    <dgm:style>
+      <a:lnRef idx="2">
+        <a:scrgbClr r="0" g="0" b="0"/>
+      </a:lnRef>
+      <a:fillRef idx="1">
+        <a:scrgbClr r="0" g="0" b="0"/>
+      </a:fillRef>
+      <a:effectRef idx="0">
+        <a:scrgbClr r="0" g="0" b="0"/>
+      </a:effectRef>
+      <a:fontRef idx="minor"/>
+    </dgm:style>
+  </dgm:styleLbl>
+  <dgm:styleLbl name="asst0">
+    <dgm:scene3d>
+      <a:camera prst="orthographicFront"/>
+      <a:lightRig rig="threePt" dir="t"/>
+    </dgm:scene3d>
+    <dgm:sp3d/>
+    <dgm:txPr/>
+    <dgm:style>
+      <a:lnRef idx="2">
+        <a:scrgbClr r="0" g="0" b="0"/>
+      </a:lnRef>
+      <a:fillRef idx="1">
+        <a:scrgbClr r="0" g="0" b="0"/>
+      </a:fillRef>
+      <a:effectRef idx="0">
+        <a:scrgbClr r="0" g="0" b="0"/>
+      </a:effectRef>
+      <a:fontRef idx="minor">
+        <a:schemeClr val="lt1"/>
+      </a:fontRef>
+    </dgm:style>
+  </dgm:styleLbl>
+  <dgm:styleLbl name="asst1">
+    <dgm:scene3d>
+      <a:camera prst="orthographicFront"/>
+      <a:lightRig rig="threePt" dir="t"/>
+    </dgm:scene3d>
+    <dgm:sp3d/>
+    <dgm:txPr/>
+    <dgm:style>
+      <a:lnRef idx="2">
+        <a:scrgbClr r="0" g="0" b="0"/>
+      </a:lnRef>
+      <a:fillRef idx="1">
+        <a:scrgbClr r="0" g="0" b="0"/>
+      </a:fillRef>
+      <a:effectRef idx="0">
+        <a:scrgbClr r="0" g="0" b="0"/>
+      </a:effectRef>
+      <a:fontRef idx="minor">
+        <a:schemeClr val="lt1"/>
+      </a:fontRef>
+    </dgm:style>
+  </dgm:styleLbl>
+  <dgm:styleLbl name="asst2">
+    <dgm:scene3d>
+      <a:camera prst="orthographicFront"/>
+      <a:lightRig rig="threePt" dir="t"/>
+    </dgm:scene3d>
+    <dgm:sp3d/>
+    <dgm:txPr/>
+    <dgm:style>
+      <a:lnRef idx="2">
+        <a:scrgbClr r="0" g="0" b="0"/>
+      </a:lnRef>
+      <a:fillRef idx="1">
+        <a:scrgbClr r="0" g="0" b="0"/>
+      </a:fillRef>
+      <a:effectRef idx="0">
+        <a:scrgbClr r="0" g="0" b="0"/>
+      </a:effectRef>
+      <a:fontRef idx="minor">
+        <a:schemeClr val="lt1"/>
+      </a:fontRef>
+    </dgm:style>
+  </dgm:styleLbl>
+  <dgm:styleLbl name="asst3">
+    <dgm:scene3d>
+      <a:camera prst="orthographicFront"/>
+      <a:lightRig rig="threePt" dir="t"/>
+    </dgm:scene3d>
+    <dgm:sp3d/>
+    <dgm:txPr/>
+    <dgm:style>
+      <a:lnRef idx="2">
+        <a:scrgbClr r="0" g="0" b="0"/>
+      </a:lnRef>
+      <a:fillRef idx="1">
+        <a:scrgbClr r="0" g="0" b="0"/>
+      </a:fillRef>
+      <a:effectRef idx="0">
+        <a:scrgbClr r="0" g="0" b="0"/>
+      </a:effectRef>
+      <a:fontRef idx="minor">
+        <a:schemeClr val="lt1"/>
+      </a:fontRef>
+    </dgm:style>
+  </dgm:styleLbl>
+  <dgm:styleLbl name="asst4">
+    <dgm:scene3d>
+      <a:camera prst="orthographicFront"/>
+      <a:lightRig rig="threePt" dir="t"/>
+    </dgm:scene3d>
+    <dgm:sp3d/>
+    <dgm:txPr/>
+    <dgm:style>
+      <a:lnRef idx="2">
+        <a:scrgbClr r="0" g="0" b="0"/>
+      </a:lnRef>
+      <a:fillRef idx="1">
+        <a:scrgbClr r="0" g="0" b="0"/>
+      </a:fillRef>
+      <a:effectRef idx="0">
+        <a:scrgbClr r="0" g="0" b="0"/>
+      </a:effectRef>
+      <a:fontRef idx="minor">
+        <a:schemeClr val="lt1"/>
+      </a:fontRef>
+    </dgm:style>
+  </dgm:styleLbl>
+  <dgm:styleLbl name="parChTrans2D1">
+    <dgm:scene3d>
+      <a:camera prst="orthographicFront"/>
+      <a:lightRig rig="threePt" dir="t"/>
+    </dgm:scene3d>
+    <dgm:sp3d/>
+    <dgm:txPr/>
+    <dgm:style>
+      <a:lnRef idx="2">
+        <a:scrgbClr r="0" g="0" b="0"/>
+      </a:lnRef>
+      <a:fillRef idx="1">
+        <a:scrgbClr r="0" g="0" b="0"/>
+      </a:fillRef>
+      <a:effectRef idx="0">
+        <a:scrgbClr r="0" g="0" b="0"/>
+      </a:effectRef>
+      <a:fontRef idx="minor">
+        <a:schemeClr val="lt1"/>
+      </a:fontRef>
+    </dgm:style>
+  </dgm:styleLbl>
+  <dgm:styleLbl name="parChTrans2D2">
+    <dgm:scene3d>
+      <a:camera prst="orthographicFront"/>
+      <a:lightRig rig="threePt" dir="t"/>
+    </dgm:scene3d>
+    <dgm:sp3d/>
+    <dgm:txPr/>
+    <dgm:style>
+      <a:lnRef idx="2">
+        <a:scrgbClr r="0" g="0" b="0"/>
+      </a:lnRef>
+      <a:fillRef idx="1">
+        <a:scrgbClr r="0" g="0" b="0"/>
+      </a:fillRef>
+      <a:effectRef idx="0">
+        <a:scrgbClr r="0" g="0" b="0"/>
+      </a:effectRef>
+      <a:fontRef idx="minor">
+        <a:schemeClr val="lt1"/>
+      </a:fontRef>
+    </dgm:style>
+  </dgm:styleLbl>
+  <dgm:styleLbl name="parChTrans2D3">
+    <dgm:scene3d>
+      <a:camera prst="orthographicFront"/>
+      <a:lightRig rig="threePt" dir="t"/>
+    </dgm:scene3d>
+    <dgm:sp3d/>
+    <dgm:txPr/>
+    <dgm:style>
+      <a:lnRef idx="2">
+        <a:scrgbClr r="0" g="0" b="0"/>
+      </a:lnRef>
+      <a:fillRef idx="1">
+        <a:scrgbClr r="0" g="0" b="0"/>
+      </a:fillRef>
+      <a:effectRef idx="0">
+        <a:scrgbClr r="0" g="0" b="0"/>
+      </a:effectRef>
+      <a:fontRef idx="minor">
+        <a:schemeClr val="lt1"/>
+      </a:fontRef>
+    </dgm:style>
+  </dgm:styleLbl>
+  <dgm:styleLbl name="parChTrans2D4">
+    <dgm:scene3d>
+      <a:camera prst="orthographicFront"/>
+      <a:lightRig rig="threePt" dir="t"/>
+    </dgm:scene3d>
+    <dgm:sp3d/>
+    <dgm:txPr/>
+    <dgm:style>
+      <a:lnRef idx="2">
+        <a:scrgbClr r="0" g="0" b="0"/>
+      </a:lnRef>
+      <a:fillRef idx="1">
+        <a:scrgbClr r="0" g="0" b="0"/>
+      </a:fillRef>
+      <a:effectRef idx="0">
+        <a:scrgbClr r="0" g="0" b="0"/>
+      </a:effectRef>
+      <a:fontRef idx="minor">
+        <a:schemeClr val="lt1"/>
+      </a:fontRef>
+    </dgm:style>
+  </dgm:styleLbl>
+  <dgm:styleLbl name="parChTrans1D1">
+    <dgm:scene3d>
+      <a:camera prst="orthographicFront"/>
+      <a:lightRig rig="threePt" dir="t"/>
+    </dgm:scene3d>
+    <dgm:sp3d/>
+    <dgm:txPr/>
+    <dgm:style>
+      <a:lnRef idx="2">
+        <a:scrgbClr r="0" g="0" b="0"/>
+      </a:lnRef>
+      <a:fillRef idx="0">
+        <a:scrgbClr r="0" g="0" b="0"/>
+      </a:fillRef>
+      <a:effectRef idx="0">
+        <a:scrgbClr r="0" g="0" b="0"/>
+      </a:effectRef>
+      <a:fontRef idx="minor"/>
+    </dgm:style>
+  </dgm:styleLbl>
+  <dgm:styleLbl name="parChTrans1D2">
+    <dgm:scene3d>
+      <a:camera prst="orthographicFront"/>
+      <a:lightRig rig="threePt" dir="t"/>
+    </dgm:scene3d>
+    <dgm:sp3d/>
+    <dgm:txPr/>
+    <dgm:style>
+      <a:lnRef idx="2">
+        <a:scrgbClr r="0" g="0" b="0"/>
+      </a:lnRef>
+      <a:fillRef idx="0">
+        <a:scrgbClr r="0" g="0" b="0"/>
+      </a:fillRef>
+      <a:effectRef idx="0">
+        <a:scrgbClr r="0" g="0" b="0"/>
+      </a:effectRef>
+      <a:fontRef idx="minor"/>
+    </dgm:style>
+  </dgm:styleLbl>
+  <dgm:styleLbl name="parChTrans1D3">
+    <dgm:scene3d>
+      <a:camera prst="orthographicFront"/>
+      <a:lightRig rig="threePt" dir="t"/>
+    </dgm:scene3d>
+    <dgm:sp3d/>
+    <dgm:txPr/>
+    <dgm:style>
+      <a:lnRef idx="2">
+        <a:scrgbClr r="0" g="0" b="0"/>
+      </a:lnRef>
+      <a:fillRef idx="0">
+        <a:scrgbClr r="0" g="0" b="0"/>
+      </a:fillRef>
+      <a:effectRef idx="0">
+        <a:scrgbClr r="0" g="0" b="0"/>
+      </a:effectRef>
+      <a:fontRef idx="minor"/>
+    </dgm:style>
+  </dgm:styleLbl>
+  <dgm:styleLbl name="parChTrans1D4">
+    <dgm:scene3d>
+      <a:camera prst="orthographicFront"/>
+      <a:lightRig rig="threePt" dir="t"/>
+    </dgm:scene3d>
+    <dgm:sp3d/>
+    <dgm:txPr/>
+    <dgm:style>
+      <a:lnRef idx="2">
+        <a:scrgbClr r="0" g="0" b="0"/>
+      </a:lnRef>
+      <a:fillRef idx="0">
+        <a:scrgbClr r="0" g="0" b="0"/>
+      </a:fillRef>
+      <a:effectRef idx="0">
+        <a:scrgbClr r="0" g="0" b="0"/>
+      </a:effectRef>
+      <a:fontRef idx="minor"/>
+    </dgm:style>
+  </dgm:styleLbl>
+  <dgm:styleLbl name="fgAcc1">
+    <dgm:scene3d>
+      <a:camera prst="orthographicFront"/>
+      <a:lightRig rig="threePt" dir="t"/>
+    </dgm:scene3d>
+    <dgm:sp3d/>
+    <dgm:txPr/>
+    <dgm:style>
+      <a:lnRef idx="2">
+        <a:scrgbClr r="0" g="0" b="0"/>
+      </a:lnRef>
+      <a:fillRef idx="1">
+        <a:scrgbClr r="0" g="0" b="0"/>
+      </a:fillRef>
+      <a:effectRef idx="0">
+        <a:scrgbClr r="0" g="0" b="0"/>
+      </a:effectRef>
+      <a:fontRef idx="minor"/>
+    </dgm:style>
+  </dgm:styleLbl>
+  <dgm:styleLbl name="conFgAcc1">
+    <dgm:scene3d>
+      <a:camera prst="orthographicFront"/>
+      <a:lightRig rig="threePt" dir="t"/>
+    </dgm:scene3d>
+    <dgm:sp3d/>
+    <dgm:txPr/>
+    <dgm:style>
+      <a:lnRef idx="2">
+        <a:scrgbClr r="0" g="0" b="0"/>
+      </a:lnRef>
+      <a:fillRef idx="1">
+        <a:scrgbClr r="0" g="0" b="0"/>
+      </a:fillRef>
+      <a:effectRef idx="0">
+        <a:scrgbClr r="0" g="0" b="0"/>
+      </a:effectRef>
+      <a:fontRef idx="minor"/>
+    </dgm:style>
+  </dgm:styleLbl>
+  <dgm:styleLbl name="alignAcc1">
+    <dgm:scene3d>
+      <a:camera prst="orthographicFront"/>
+      <a:lightRig rig="threePt" dir="t"/>
+    </dgm:scene3d>
+    <dgm:sp3d/>
+    <dgm:txPr/>
+    <dgm:style>
+      <a:lnRef idx="2">
+        <a:scrgbClr r="0" g="0" b="0"/>
+      </a:lnRef>
+      <a:fillRef idx="1">
+        <a:scrgbClr r="0" g="0" b="0"/>
+      </a:fillRef>
+      <a:effectRef idx="0">
+        <a:scrgbClr r="0" g="0" b="0"/>
+      </a:effectRef>
+      <a:fontRef idx="minor"/>
+    </dgm:style>
+  </dgm:styleLbl>
+  <dgm:styleLbl name="trAlignAcc1">
+    <dgm:scene3d>
+      <a:camera prst="orthographicFront"/>
+      <a:lightRig rig="threePt" dir="t"/>
+    </dgm:scene3d>
+    <dgm:sp3d/>
+    <dgm:txPr/>
+    <dgm:style>
+      <a:lnRef idx="1">
+        <a:scrgbClr r="0" g="0" b="0"/>
+      </a:lnRef>
+      <a:fillRef idx="1">
+        <a:scrgbClr r="0" g="0" b="0"/>
+      </a:fillRef>
+      <a:effectRef idx="0">
+        <a:scrgbClr r="0" g="0" b="0"/>
+      </a:effectRef>
+      <a:fontRef idx="minor"/>
+    </dgm:style>
+  </dgm:styleLbl>
+  <dgm:styleLbl name="bgAcc1">
+    <dgm:scene3d>
+      <a:camera prst="orthographicFront"/>
+      <a:lightRig rig="threePt" dir="t"/>
+    </dgm:scene3d>
+    <dgm:sp3d/>
+    <dgm:txPr/>
+    <dgm:style>
+      <a:lnRef idx="2">
+        <a:scrgbClr r="0" g="0" b="0"/>
+      </a:lnRef>
+      <a:fillRef idx="1">
+        <a:scrgbClr r="0" g="0" b="0"/>
+      </a:fillRef>
+      <a:effectRef idx="0">
+        <a:scrgbClr r="0" g="0" b="0"/>
+      </a:effectRef>
+      <a:fontRef idx="minor"/>
+    </dgm:style>
+  </dgm:styleLbl>
+  <dgm:styleLbl name="solidFgAcc1">
+    <dgm:scene3d>
+      <a:camera prst="orthographicFront"/>
+      <a:lightRig rig="threePt" dir="t"/>
+    </dgm:scene3d>
+    <dgm:sp3d/>
+    <dgm:txPr/>
+    <dgm:style>
+      <a:lnRef idx="2">
+        <a:scrgbClr r="0" g="0" b="0"/>
+      </a:lnRef>
+      <a:fillRef idx="1">
+        <a:scrgbClr r="0" g="0" b="0"/>
+      </a:fillRef>
+      <a:effectRef idx="0">
+        <a:scrgbClr r="0" g="0" b="0"/>
+      </a:effectRef>
+      <a:fontRef idx="minor"/>
+    </dgm:style>
+  </dgm:styleLbl>
+  <dgm:styleLbl name="solidAlignAcc1">
+    <dgm:scene3d>
+      <a:camera prst="orthographicFront"/>
+      <a:lightRig rig="threePt" dir="t"/>
+    </dgm:scene3d>
+    <dgm:sp3d/>
+    <dgm:txPr/>
+    <dgm:style>
+      <a:lnRef idx="2">
+        <a:scrgbClr r="0" g="0" b="0"/>
+      </a:lnRef>
+      <a:fillRef idx="1">
+        <a:scrgbClr r="0" g="0" b="0"/>
+      </a:fillRef>
+      <a:effectRef idx="0">
+        <a:scrgbClr r="0" g="0" b="0"/>
+      </a:effectRef>
+      <a:fontRef idx="minor"/>
+    </dgm:style>
+  </dgm:styleLbl>
+  <dgm:styleLbl name="solidBgAcc1">
+    <dgm:scene3d>
+      <a:camera prst="orthographicFront"/>
+      <a:lightRig rig="threePt" dir="t"/>
+    </dgm:scene3d>
+    <dgm:sp3d/>
+    <dgm:txPr/>
+    <dgm:style>
+      <a:lnRef idx="2">
+        <a:scrgbClr r="0" g="0" b="0"/>
+      </a:lnRef>
+      <a:fillRef idx="1">
+        <a:scrgbClr r="0" g="0" b="0"/>
+      </a:fillRef>
+      <a:effectRef idx="0">
+        <a:scrgbClr r="0" g="0" b="0"/>
+      </a:effectRef>
+      <a:fontRef idx="minor"/>
+    </dgm:style>
+  </dgm:styleLbl>
+  <dgm:styleLbl name="fgAccFollowNode1">
+    <dgm:scene3d>
+      <a:camera prst="orthographicFront"/>
+      <a:lightRig rig="threePt" dir="t"/>
+    </dgm:scene3d>
+    <dgm:sp3d/>
+    <dgm:txPr/>
+    <dgm:style>
+      <a:lnRef idx="2">
+        <a:scrgbClr r="0" g="0" b="0"/>
+      </a:lnRef>
+      <a:fillRef idx="1">
+        <a:scrgbClr r="0" g="0" b="0"/>
+      </a:fillRef>
+      <a:effectRef idx="0">
+        <a:scrgbClr r="0" g="0" b="0"/>
+      </a:effectRef>
+      <a:fontRef idx="minor"/>
+    </dgm:style>
+  </dgm:styleLbl>
+  <dgm:styleLbl name="alignAccFollowNode1">
+    <dgm:scene3d>
+      <a:camera prst="orthographicFront"/>
+      <a:lightRig rig="threePt" dir="t"/>
+    </dgm:scene3d>
+    <dgm:sp3d/>
+    <dgm:txPr/>
+    <dgm:style>
+      <a:lnRef idx="2">
+        <a:scrgbClr r="0" g="0" b="0"/>
+      </a:lnRef>
+      <a:fillRef idx="1">
+        <a:scrgbClr r="0" g="0" b="0"/>
+      </a:fillRef>
+      <a:effectRef idx="0">
+        <a:scrgbClr r="0" g="0" b="0"/>
+      </a:effectRef>
+      <a:fontRef idx="minor"/>
+    </dgm:style>
+  </dgm:styleLbl>
+  <dgm:styleLbl name="bgAccFollowNode1">
+    <dgm:scene3d>
+      <a:camera prst="orthographicFront"/>
+      <a:lightRig rig="threePt" dir="t"/>
+    </dgm:scene3d>
+    <dgm:sp3d/>
+    <dgm:txPr/>
+    <dgm:style>
+      <a:lnRef idx="2">
+        <a:scrgbClr r="0" g="0" b="0"/>
+      </a:lnRef>
+      <a:fillRef idx="1">
+        <a:scrgbClr r="0" g="0" b="0"/>
+      </a:fillRef>
+      <a:effectRef idx="0">
+        <a:scrgbClr r="0" g="0" b="0"/>
+      </a:effectRef>
+      <a:fontRef idx="minor"/>
+    </dgm:style>
+  </dgm:styleLbl>
+  <dgm:styleLbl name="fgAcc0">
+    <dgm:scene3d>
+      <a:camera prst="orthographicFront"/>
+      <a:lightRig rig="threePt" dir="t"/>
+    </dgm:scene3d>
+    <dgm:sp3d/>
+    <dgm:txPr/>
+    <dgm:style>
+      <a:lnRef idx="2">
+        <a:scrgbClr r="0" g="0" b="0"/>
+      </a:lnRef>
+      <a:fillRef idx="1">
+        <a:scrgbClr r="0" g="0" b="0"/>
+      </a:fillRef>
+      <a:effectRef idx="0">
+        <a:scrgbClr r="0" g="0" b="0"/>
+      </a:effectRef>
+      <a:fontRef idx="minor"/>
+    </dgm:style>
+  </dgm:styleLbl>
+  <dgm:styleLbl name="fgAcc2">
+    <dgm:scene3d>
+      <a:camera prst="orthographicFront"/>
+      <a:lightRig rig="threePt" dir="t"/>
+    </dgm:scene3d>
+    <dgm:sp3d/>
+    <dgm:txPr/>
+    <dgm:style>
+      <a:lnRef idx="2">
+        <a:scrgbClr r="0" g="0" b="0"/>
+      </a:lnRef>
+      <a:fillRef idx="1">
+        <a:scrgbClr r="0" g="0" b="0"/>
+      </a:fillRef>
+      <a:effectRef idx="0">
+        <a:scrgbClr r="0" g="0" b="0"/>
+      </a:effectRef>
+      <a:fontRef idx="minor"/>
+    </dgm:style>
+  </dgm:styleLbl>
+  <dgm:styleLbl name="fgAcc3">
+    <dgm:scene3d>
+      <a:camera prst="orthographicFront"/>
+      <a:lightRig rig="threePt" dir="t"/>
+    </dgm:scene3d>
+    <dgm:sp3d/>
+    <dgm:txPr/>
+    <dgm:style>
+      <a:lnRef idx="2">
+        <a:scrgbClr r="0" g="0" b="0"/>
+      </a:lnRef>
+      <a:fillRef idx="1">
+        <a:scrgbClr r="0" g="0" b="0"/>
+      </a:fillRef>
+      <a:effectRef idx="0">
+        <a:scrgbClr r="0" g="0" b="0"/>
+      </a:effectRef>
+      <a:fontRef idx="minor"/>
+    </dgm:style>
+  </dgm:styleLbl>
+  <dgm:styleLbl name="fgAcc4">
+    <dgm:scene3d>
+      <a:camera prst="orthographicFront"/>
+      <a:lightRig rig="threePt" dir="t"/>
+    </dgm:scene3d>
+    <dgm:sp3d/>
+    <dgm:txPr/>
+    <dgm:style>
+      <a:lnRef idx="2">
+        <a:scrgbClr r="0" g="0" b="0"/>
+      </a:lnRef>
+      <a:fillRef idx="1">
+        <a:scrgbClr r="0" g="0" b="0"/>
+      </a:fillRef>
+      <a:effectRef idx="0">
+        <a:scrgbClr r="0" g="0" b="0"/>
+      </a:effectRef>
+      <a:fontRef idx="minor"/>
+    </dgm:style>
+  </dgm:styleLbl>
+  <dgm:styleLbl name="bgShp">
+    <dgm:scene3d>
+      <a:camera prst="orthographicFront"/>
+      <a:lightRig rig="threePt" dir="t"/>
+    </dgm:scene3d>
+    <dgm:sp3d/>
+    <dgm:txPr/>
+    <dgm:style>
+      <a:lnRef idx="0">
+        <a:scrgbClr r="0" g="0" b="0"/>
+      </a:lnRef>
+      <a:fillRef idx="1">
+        <a:scrgbClr r="0" g="0" b="0"/>
+      </a:fillRef>
+      <a:effectRef idx="0">
+        <a:scrgbClr r="0" g="0" b="0"/>
+      </a:effectRef>
+      <a:fontRef idx="minor"/>
+    </dgm:style>
+  </dgm:styleLbl>
+  <dgm:styleLbl name="dkBgShp">
+    <dgm:scene3d>
+      <a:camera prst="orthographicFront"/>
+      <a:lightRig rig="threePt" dir="t"/>
+    </dgm:scene3d>
+    <dgm:sp3d/>
+    <dgm:txPr/>
+    <dgm:style>
+      <a:lnRef idx="0">
+        <a:scrgbClr r="0" g="0" b="0"/>
+      </a:lnRef>
+      <a:fillRef idx="1">
+        <a:scrgbClr r="0" g="0" b="0"/>
+      </a:fillRef>
+      <a:effectRef idx="0">
+        <a:scrgbClr r="0" g="0" b="0"/>
+      </a:effectRef>
+      <a:fontRef idx="minor"/>
+    </dgm:style>
+  </dgm:styleLbl>
+  <dgm:styleLbl name="trBgShp">
+    <dgm:scene3d>
+      <a:camera prst="orthographicFront"/>
+      <a:lightRig rig="threePt" dir="t"/>
+    </dgm:scene3d>
+    <dgm:sp3d/>
+    <dgm:txPr/>
+    <dgm:style>
+      <a:lnRef idx="0">
+        <a:scrgbClr r="0" g="0" b="0"/>
+      </a:lnRef>
+      <a:fillRef idx="1">
+        <a:scrgbClr r="0" g="0" b="0"/>
+      </a:fillRef>
+      <a:effectRef idx="0">
+        <a:scrgbClr r="0" g="0" b="0"/>
+      </a:effectRef>
+      <a:fontRef idx="minor"/>
+    </dgm:style>
+  </dgm:styleLbl>
+  <dgm:styleLbl name="fgShp">
+    <dgm:scene3d>
+      <a:camera prst="orthographicFront"/>
+      <a:lightRig rig="threePt" dir="t"/>
+    </dgm:scene3d>
+    <dgm:sp3d/>
+    <dgm:txPr/>
+    <dgm:style>
+      <a:lnRef idx="2">
+        <a:scrgbClr r="0" g="0" b="0"/>
+      </a:lnRef>
+      <a:fillRef idx="1">
+        <a:scrgbClr r="0" g="0" b="0"/>
+      </a:fillRef>
+      <a:effectRef idx="0">
+        <a:scrgbClr r="0" g="0" b="0"/>
+      </a:effectRef>
+      <a:fontRef idx="minor"/>
+    </dgm:style>
+  </dgm:styleLbl>
+  <dgm:styleLbl name="revTx">
+    <dgm:scene3d>
+      <a:camera prst="orthographicFront"/>
+      <a:lightRig rig="threePt" dir="t"/>
+    </dgm:scene3d>
+    <dgm:sp3d/>
+    <dgm:txPr/>
+    <dgm:style>
+      <a:lnRef idx="0">
+        <a:scrgbClr r="0" g="0" b="0"/>
+      </a:lnRef>
+      <a:fillRef idx="0">
+        <a:scrgbClr r="0" g="0" b="0"/>
+      </a:fillRef>
+      <a:effectRef idx="0">
+        <a:scrgbClr r="0" g="0" b="0"/>
+      </a:effectRef>
+      <a:fontRef idx="minor"/>
+    </dgm:style>
+  </dgm:styleLbl>
+</dgm:styleDef>
+</file>
+
 <file path=ppt/notesMasters/notesMaster1.xml><?xml version="1.0" encoding="utf-8"?>
 <p:notesMaster xmlns:a="http://schemas.openxmlformats.org/drawingml/2006/main" xmlns:r="http://schemas.openxmlformats.org/officeDocument/2006/relationships" xmlns:p="http://schemas.openxmlformats.org/presentationml/2006/main">
   <p:cSld>
@@ -5525,7 +8018,7 @@
           <a:p>
             <a:fld id="{05B5C82D-1940-43E4-80D6-B5A1D21ED4D5}" type="datetimeFigureOut">
               <a:rPr lang="fr-FR" smtClean="0"/>
-              <a:t>23/05/2019</a:t>
+              <a:t>18/06/2019</a:t>
             </a:fld>
             <a:endParaRPr lang="fr-FR"/>
           </a:p>
@@ -5857,7 +8350,7 @@
           <a:p>
             <a:fld id="{490A479C-0F95-4F3D-B39B-C8E975AA2756}" type="slidenum">
               <a:rPr lang="fr-FR" smtClean="0"/>
-              <a:t>2</a:t>
+              <a:t>3</a:t>
             </a:fld>
             <a:endParaRPr lang="fr-FR"/>
           </a:p>
@@ -5941,7 +8434,7 @@
           <a:p>
             <a:fld id="{490A479C-0F95-4F3D-B39B-C8E975AA2756}" type="slidenum">
               <a:rPr lang="fr-FR" smtClean="0"/>
-              <a:t>5</a:t>
+              <a:t>6</a:t>
             </a:fld>
             <a:endParaRPr lang="fr-FR"/>
           </a:p>
@@ -6025,7 +8518,7 @@
           <a:p>
             <a:fld id="{490A479C-0F95-4F3D-B39B-C8E975AA2756}" type="slidenum">
               <a:rPr lang="fr-FR" smtClean="0"/>
-              <a:t>6</a:t>
+              <a:t>7</a:t>
             </a:fld>
             <a:endParaRPr lang="fr-FR"/>
           </a:p>
@@ -6215,7 +8708,7 @@
           <a:p>
             <a:fld id="{52209DFD-A00E-4F63-9074-0C2290EA5EC2}" type="datetimeFigureOut">
               <a:rPr lang="fr-FR" smtClean="0"/>
-              <a:t>23/05/2019</a:t>
+              <a:t>18/06/2019</a:t>
             </a:fld>
             <a:endParaRPr lang="fr-FR"/>
           </a:p>
@@ -6527,7 +9020,7 @@
           <a:p>
             <a:fld id="{52209DFD-A00E-4F63-9074-0C2290EA5EC2}" type="datetimeFigureOut">
               <a:rPr lang="fr-FR" smtClean="0"/>
-              <a:t>23/05/2019</a:t>
+              <a:t>18/06/2019</a:t>
             </a:fld>
             <a:endParaRPr lang="fr-FR"/>
           </a:p>
@@ -6749,7 +9242,7 @@
           <a:p>
             <a:fld id="{52209DFD-A00E-4F63-9074-0C2290EA5EC2}" type="datetimeFigureOut">
               <a:rPr lang="fr-FR" smtClean="0"/>
-              <a:t>23/05/2019</a:t>
+              <a:t>18/06/2019</a:t>
             </a:fld>
             <a:endParaRPr lang="fr-FR"/>
           </a:p>
@@ -7040,7 +9533,7 @@
           <a:p>
             <a:fld id="{52209DFD-A00E-4F63-9074-0C2290EA5EC2}" type="datetimeFigureOut">
               <a:rPr lang="fr-FR" smtClean="0"/>
-              <a:t>23/05/2019</a:t>
+              <a:t>18/06/2019</a:t>
             </a:fld>
             <a:endParaRPr lang="fr-FR"/>
           </a:p>
@@ -7494,7 +9987,7 @@
           <a:p>
             <a:fld id="{52209DFD-A00E-4F63-9074-0C2290EA5EC2}" type="datetimeFigureOut">
               <a:rPr lang="fr-FR" smtClean="0"/>
-              <a:t>23/05/2019</a:t>
+              <a:t>18/06/2019</a:t>
             </a:fld>
             <a:endParaRPr lang="fr-FR"/>
           </a:p>
@@ -8070,7 +10563,7 @@
           <a:p>
             <a:fld id="{52209DFD-A00E-4F63-9074-0C2290EA5EC2}" type="datetimeFigureOut">
               <a:rPr lang="fr-FR" smtClean="0"/>
-              <a:t>23/05/2019</a:t>
+              <a:t>18/06/2019</a:t>
             </a:fld>
             <a:endParaRPr lang="fr-FR"/>
           </a:p>
@@ -8922,7 +11415,7 @@
           <a:p>
             <a:fld id="{52209DFD-A00E-4F63-9074-0C2290EA5EC2}" type="datetimeFigureOut">
               <a:rPr lang="fr-FR" smtClean="0"/>
-              <a:t>23/05/2019</a:t>
+              <a:t>18/06/2019</a:t>
             </a:fld>
             <a:endParaRPr lang="fr-FR"/>
           </a:p>
@@ -9127,7 +11620,7 @@
           <a:p>
             <a:fld id="{52209DFD-A00E-4F63-9074-0C2290EA5EC2}" type="datetimeFigureOut">
               <a:rPr lang="fr-FR" smtClean="0"/>
-              <a:t>23/05/2019</a:t>
+              <a:t>18/06/2019</a:t>
             </a:fld>
             <a:endParaRPr lang="fr-FR"/>
           </a:p>
@@ -9341,7 +11834,7 @@
           <a:p>
             <a:fld id="{52209DFD-A00E-4F63-9074-0C2290EA5EC2}" type="datetimeFigureOut">
               <a:rPr lang="fr-FR" smtClean="0"/>
-              <a:t>23/05/2019</a:t>
+              <a:t>18/06/2019</a:t>
             </a:fld>
             <a:endParaRPr lang="fr-FR"/>
           </a:p>
@@ -9511,7 +12004,7 @@
           <a:p>
             <a:fld id="{52209DFD-A00E-4F63-9074-0C2290EA5EC2}" type="datetimeFigureOut">
               <a:rPr lang="fr-FR" smtClean="0"/>
-              <a:t>23/05/2019</a:t>
+              <a:t>18/06/2019</a:t>
             </a:fld>
             <a:endParaRPr lang="fr-FR"/>
           </a:p>
@@ -9716,7 +12209,7 @@
           <a:p>
             <a:fld id="{52209DFD-A00E-4F63-9074-0C2290EA5EC2}" type="datetimeFigureOut">
               <a:rPr lang="fr-FR" smtClean="0"/>
-              <a:t>23/05/2019</a:t>
+              <a:t>18/06/2019</a:t>
             </a:fld>
             <a:endParaRPr lang="fr-FR"/>
           </a:p>
@@ -9996,7 +12489,7 @@
           <a:p>
             <a:fld id="{52209DFD-A00E-4F63-9074-0C2290EA5EC2}" type="datetimeFigureOut">
               <a:rPr lang="fr-FR" smtClean="0"/>
-              <a:t>23/05/2019</a:t>
+              <a:t>18/06/2019</a:t>
             </a:fld>
             <a:endParaRPr lang="fr-FR"/>
           </a:p>
@@ -10263,7 +12756,7 @@
           <a:p>
             <a:fld id="{52209DFD-A00E-4F63-9074-0C2290EA5EC2}" type="datetimeFigureOut">
               <a:rPr lang="fr-FR" smtClean="0"/>
-              <a:t>23/05/2019</a:t>
+              <a:t>18/06/2019</a:t>
             </a:fld>
             <a:endParaRPr lang="fr-FR"/>
           </a:p>
@@ -10678,7 +13171,7 @@
           <a:p>
             <a:fld id="{52209DFD-A00E-4F63-9074-0C2290EA5EC2}" type="datetimeFigureOut">
               <a:rPr lang="fr-FR" smtClean="0"/>
-              <a:t>23/05/2019</a:t>
+              <a:t>18/06/2019</a:t>
             </a:fld>
             <a:endParaRPr lang="fr-FR"/>
           </a:p>
@@ -10826,7 +13319,7 @@
           <a:p>
             <a:fld id="{52209DFD-A00E-4F63-9074-0C2290EA5EC2}" type="datetimeFigureOut">
               <a:rPr lang="fr-FR" smtClean="0"/>
-              <a:t>23/05/2019</a:t>
+              <a:t>18/06/2019</a:t>
             </a:fld>
             <a:endParaRPr lang="fr-FR"/>
           </a:p>
@@ -10951,7 +13444,7 @@
           <a:p>
             <a:fld id="{52209DFD-A00E-4F63-9074-0C2290EA5EC2}" type="datetimeFigureOut">
               <a:rPr lang="fr-FR" smtClean="0"/>
-              <a:t>23/05/2019</a:t>
+              <a:t>18/06/2019</a:t>
             </a:fld>
             <a:endParaRPr lang="fr-FR"/>
           </a:p>
@@ -11230,7 +13723,7 @@
           <a:p>
             <a:fld id="{52209DFD-A00E-4F63-9074-0C2290EA5EC2}" type="datetimeFigureOut">
               <a:rPr lang="fr-FR" smtClean="0"/>
-              <a:t>23/05/2019</a:t>
+              <a:t>18/06/2019</a:t>
             </a:fld>
             <a:endParaRPr lang="fr-FR"/>
           </a:p>
@@ -11542,7 +14035,7 @@
           <a:p>
             <a:fld id="{52209DFD-A00E-4F63-9074-0C2290EA5EC2}" type="datetimeFigureOut">
               <a:rPr lang="fr-FR" smtClean="0"/>
-              <a:t>23/05/2019</a:t>
+              <a:t>18/06/2019</a:t>
             </a:fld>
             <a:endParaRPr lang="fr-FR"/>
           </a:p>
@@ -11795,7 +14288,7 @@
           <a:p>
             <a:fld id="{52209DFD-A00E-4F63-9074-0C2290EA5EC2}" type="datetimeFigureOut">
               <a:rPr lang="fr-FR" smtClean="0"/>
-              <a:t>23/05/2019</a:t>
+              <a:t>18/06/2019</a:t>
             </a:fld>
             <a:endParaRPr lang="fr-FR"/>
           </a:p>
@@ -12264,6 +14757,175 @@
           <a:lstStyle/>
           <a:p>
             <a:r>
+              <a:rPr lang="fr-FR" sz="4400" b="1" dirty="0">
+                <a:solidFill>
+                  <a:schemeClr val="accent1">
+                    <a:lumMod val="75000"/>
+                  </a:schemeClr>
+                </a:solidFill>
+              </a:rPr>
+              <a:t>PRéSENTATIONs</a:t>
+            </a:r>
+            <a:endParaRPr lang="fr-FR" dirty="0">
+              <a:solidFill>
+                <a:schemeClr val="tx1">
+                  <a:lumMod val="65000"/>
+                  <a:lumOff val="35000"/>
+                </a:schemeClr>
+              </a:solidFill>
+            </a:endParaRPr>
+          </a:p>
+        </p:txBody>
+      </p:sp>
+      <p:sp>
+        <p:nvSpPr>
+          <p:cNvPr id="10" name="Ellipse 9">
+            <a:extLst>
+              <a:ext uri="{FF2B5EF4-FFF2-40B4-BE49-F238E27FC236}">
+                <a16:creationId xmlns:a16="http://schemas.microsoft.com/office/drawing/2014/main" id="{612BF3AD-DB93-4C2A-A839-D4F604F9A001}"/>
+              </a:ext>
+            </a:extLst>
+          </p:cNvPr>
+          <p:cNvSpPr/>
+          <p:nvPr/>
+        </p:nvSpPr>
+        <p:spPr>
+          <a:xfrm>
+            <a:off x="2668250" y="4342658"/>
+            <a:ext cx="524656" cy="539646"/>
+          </a:xfrm>
+          <a:prstGeom prst="ellipse">
+            <a:avLst/>
+          </a:prstGeom>
+          <a:solidFill>
+            <a:srgbClr val="C33C7C"/>
+          </a:solidFill>
+          <a:ln>
+            <a:noFill/>
+          </a:ln>
+        </p:spPr>
+        <p:style>
+          <a:lnRef idx="2">
+            <a:schemeClr val="accent1">
+              <a:shade val="50000"/>
+            </a:schemeClr>
+          </a:lnRef>
+          <a:fillRef idx="1">
+            <a:schemeClr val="accent1"/>
+          </a:fillRef>
+          <a:effectRef idx="0">
+            <a:schemeClr val="accent1"/>
+          </a:effectRef>
+          <a:fontRef idx="minor">
+            <a:schemeClr val="lt1"/>
+          </a:fontRef>
+        </p:style>
+        <p:txBody>
+          <a:bodyPr rtlCol="0" anchor="ctr"/>
+          <a:lstStyle/>
+          <a:p>
+            <a:pPr algn="ctr"/>
+            <a:endParaRPr lang="fr-FR"/>
+          </a:p>
+        </p:txBody>
+      </p:sp>
+      <p:graphicFrame>
+        <p:nvGraphicFramePr>
+          <p:cNvPr id="8" name="Espace réservé du contenu 7">
+            <a:extLst>
+              <a:ext uri="{FF2B5EF4-FFF2-40B4-BE49-F238E27FC236}">
+                <a16:creationId xmlns:a16="http://schemas.microsoft.com/office/drawing/2014/main" id="{13BA42B8-02B7-4830-84D9-70F5500D8088}"/>
+              </a:ext>
+            </a:extLst>
+          </p:cNvPr>
+          <p:cNvGraphicFramePr>
+            <a:graphicFrameLocks noGrp="1"/>
+          </p:cNvGraphicFramePr>
+          <p:nvPr>
+            <p:ph idx="1"/>
+            <p:extLst>
+              <p:ext uri="{D42A27DB-BD31-4B8C-83A1-F6EECF244321}">
+                <p14:modId xmlns:p14="http://schemas.microsoft.com/office/powerpoint/2010/main" val="1853135938"/>
+              </p:ext>
+            </p:extLst>
+          </p:nvPr>
+        </p:nvGraphicFramePr>
+        <p:xfrm>
+          <a:off x="914400" y="2366963"/>
+          <a:ext cx="10363200" cy="3424237"/>
+        </p:xfrm>
+        <a:graphic>
+          <a:graphicData uri="http://schemas.openxmlformats.org/drawingml/2006/diagram">
+            <dgm:relIds xmlns:dgm="http://schemas.openxmlformats.org/drawingml/2006/diagram" xmlns:r="http://schemas.openxmlformats.org/officeDocument/2006/relationships" r:dm="rId2" r:lo="rId3" r:qs="rId4" r:cs="rId5"/>
+          </a:graphicData>
+        </a:graphic>
+      </p:graphicFrame>
+    </p:spTree>
+    <p:extLst>
+      <p:ext uri="{BB962C8B-B14F-4D97-AF65-F5344CB8AC3E}">
+        <p14:creationId xmlns:p14="http://schemas.microsoft.com/office/powerpoint/2010/main" val="911155721"/>
+      </p:ext>
+    </p:extLst>
+  </p:cSld>
+  <p:clrMapOvr>
+    <a:masterClrMapping/>
+  </p:clrMapOvr>
+  <mc:AlternateContent xmlns:mc="http://schemas.openxmlformats.org/markup-compatibility/2006" xmlns:p14="http://schemas.microsoft.com/office/powerpoint/2010/main">
+    <mc:Choice Requires="p14">
+      <p:transition spd="slow" p14:dur="1200">
+        <p14:prism/>
+      </p:transition>
+    </mc:Choice>
+    <mc:Fallback xmlns="">
+      <p:transition spd="slow">
+        <p:fade/>
+      </p:transition>
+    </mc:Fallback>
+  </mc:AlternateContent>
+</p:sld>
+</file>
+
+<file path=ppt/slides/slide2.xml><?xml version="1.0" encoding="utf-8"?>
+<p:sld xmlns:a="http://schemas.openxmlformats.org/drawingml/2006/main" xmlns:r="http://schemas.openxmlformats.org/officeDocument/2006/relationships" xmlns:p="http://schemas.openxmlformats.org/presentationml/2006/main">
+  <p:cSld>
+    <p:spTree>
+      <p:nvGrpSpPr>
+        <p:cNvPr id="1" name=""/>
+        <p:cNvGrpSpPr/>
+        <p:nvPr/>
+      </p:nvGrpSpPr>
+      <p:grpSpPr>
+        <a:xfrm>
+          <a:off x="0" y="0"/>
+          <a:ext cx="0" cy="0"/>
+          <a:chOff x="0" y="0"/>
+          <a:chExt cx="0" cy="0"/>
+        </a:xfrm>
+      </p:grpSpPr>
+      <p:sp>
+        <p:nvSpPr>
+          <p:cNvPr id="2" name="Titre 1">
+            <a:extLst>
+              <a:ext uri="{FF2B5EF4-FFF2-40B4-BE49-F238E27FC236}">
+                <a16:creationId xmlns:a16="http://schemas.microsoft.com/office/drawing/2014/main" id="{5F15C5BC-7806-4006-A486-EF908D2DB158}"/>
+              </a:ext>
+            </a:extLst>
+          </p:cNvPr>
+          <p:cNvSpPr>
+            <a:spLocks noGrp="1"/>
+          </p:cNvSpPr>
+          <p:nvPr>
+            <p:ph type="title"/>
+          </p:nvPr>
+        </p:nvSpPr>
+        <p:spPr/>
+        <p:txBody>
+          <a:bodyPr>
+            <a:normAutofit/>
+          </a:bodyPr>
+          <a:lstStyle/>
+          <a:p>
+            <a:r>
               <a:rPr lang="fr-FR" dirty="0">
                 <a:solidFill>
                   <a:schemeClr val="tx1">
@@ -12421,7 +15083,7 @@
 </p:sld>
 </file>
 
-<file path=ppt/slides/slide2.xml><?xml version="1.0" encoding="utf-8"?>
+<file path=ppt/slides/slide3.xml><?xml version="1.0" encoding="utf-8"?>
 <p:sld xmlns:a="http://schemas.openxmlformats.org/drawingml/2006/main" xmlns:r="http://schemas.openxmlformats.org/officeDocument/2006/relationships" xmlns:p="http://schemas.openxmlformats.org/presentationml/2006/main">
   <p:cSld>
     <p:spTree>
@@ -12541,7 +15203,7 @@
 </p:sld>
 </file>
 
-<file path=ppt/slides/slide3.xml><?xml version="1.0" encoding="utf-8"?>
+<file path=ppt/slides/slide4.xml><?xml version="1.0" encoding="utf-8"?>
 <p:sld xmlns:a="http://schemas.openxmlformats.org/drawingml/2006/main" xmlns:r="http://schemas.openxmlformats.org/officeDocument/2006/relationships" xmlns:p="http://schemas.openxmlformats.org/presentationml/2006/main">
   <p:cSld>
     <p:spTree>
@@ -12653,7 +15315,7 @@
 </p:sld>
 </file>
 
-<file path=ppt/slides/slide4.xml><?xml version="1.0" encoding="utf-8"?>
+<file path=ppt/slides/slide5.xml><?xml version="1.0" encoding="utf-8"?>
 <p:sld xmlns:a="http://schemas.openxmlformats.org/drawingml/2006/main" xmlns:r="http://schemas.openxmlformats.org/officeDocument/2006/relationships" xmlns:p="http://schemas.openxmlformats.org/presentationml/2006/main">
   <p:cSld>
     <p:spTree>
@@ -12805,7 +15467,7 @@
 </p:sld>
 </file>
 
-<file path=ppt/slides/slide5.xml><?xml version="1.0" encoding="utf-8"?>
+<file path=ppt/slides/slide6.xml><?xml version="1.0" encoding="utf-8"?>
 <p:sld xmlns:a="http://schemas.openxmlformats.org/drawingml/2006/main" xmlns:r="http://schemas.openxmlformats.org/officeDocument/2006/relationships" xmlns:p="http://schemas.openxmlformats.org/presentationml/2006/main">
   <p:cSld>
     <p:spTree>
@@ -13138,7 +15800,7 @@
 </p:sld>
 </file>
 
-<file path=ppt/slides/slide6.xml><?xml version="1.0" encoding="utf-8"?>
+<file path=ppt/slides/slide7.xml><?xml version="1.0" encoding="utf-8"?>
 <p:sld xmlns:a="http://schemas.openxmlformats.org/drawingml/2006/main" xmlns:r="http://schemas.openxmlformats.org/officeDocument/2006/relationships" xmlns:p="http://schemas.openxmlformats.org/presentationml/2006/main">
   <p:cSld>
     <p:spTree>
@@ -13481,7 +16143,7 @@
 </p:sld>
 </file>
 
-<file path=ppt/slides/slide7.xml><?xml version="1.0" encoding="utf-8"?>
+<file path=ppt/slides/slide8.xml><?xml version="1.0" encoding="utf-8"?>
 <p:sld xmlns:a="http://schemas.openxmlformats.org/drawingml/2006/main" xmlns:r="http://schemas.openxmlformats.org/officeDocument/2006/relationships" xmlns:p="http://schemas.openxmlformats.org/presentationml/2006/main">
   <p:cSld>
     <p:spTree>
@@ -13704,7 +16366,7 @@
 </p:sld>
 </file>
 
-<file path=ppt/slides/slide8.xml><?xml version="1.0" encoding="utf-8"?>
+<file path=ppt/slides/slide9.xml><?xml version="1.0" encoding="utf-8"?>
 <p:sld xmlns:a="http://schemas.openxmlformats.org/drawingml/2006/main" xmlns:r="http://schemas.openxmlformats.org/officeDocument/2006/relationships" xmlns:p="http://schemas.openxmlformats.org/presentationml/2006/main">
   <p:cSld>
     <p:spTree>
